--- a/クリエイティブ/Editing/伊藤園_新入社員.pptx
+++ b/クリエイティブ/Editing/伊藤園_新入社員.pptx
@@ -5,10 +5,11 @@
     <p:sldMasterId id="2147483648" r:id="rId1"/>
   </p:sldMasterIdLst>
   <p:notesMasterIdLst>
-    <p:notesMasterId r:id="rId3"/>
+    <p:notesMasterId r:id="rId4"/>
   </p:notesMasterIdLst>
   <p:sldIdLst>
     <p:sldId id="259" r:id="rId2"/>
+    <p:sldId id="260" r:id="rId3"/>
   </p:sldIdLst>
   <p:sldSz cx="12192000" cy="6858000"/>
   <p:notesSz cx="6858000" cy="9144000"/>
@@ -3651,7 +3652,7 @@
           <p:nvPr>
             <p:extLst>
               <p:ext uri="{D42A27DB-BD31-4B8C-83A1-F6EECF244321}">
-                <p14:modId xmlns:p14="http://schemas.microsoft.com/office/powerpoint/2010/main" val="631699785"/>
+                <p14:modId xmlns:p14="http://schemas.microsoft.com/office/powerpoint/2010/main" val="797028628"/>
               </p:ext>
             </p:extLst>
           </p:nvPr>
@@ -3749,6 +3750,14 @@
                     <a:bodyPr/>
                     <a:lstStyle/>
                     <a:p>
+                      <a:r>
+                        <a:rPr kumimoji="1" lang="ja-JP" altLang="en-US" b="0" dirty="0" smtClean="0">
+                          <a:solidFill>
+                            <a:sysClr val="windowText" lastClr="000000"/>
+                          </a:solidFill>
+                        </a:rPr>
+                        <a:t>伊藤園さま</a:t>
+                      </a:r>
                       <a:endParaRPr kumimoji="1" lang="ja-JP" altLang="en-US" b="0" dirty="0">
                         <a:solidFill>
                           <a:sysClr val="windowText" lastClr="000000"/>
@@ -3886,6 +3895,14 @@
                     <a:bodyPr/>
                     <a:lstStyle/>
                     <a:p>
+                      <a:r>
+                        <a:rPr kumimoji="1" lang="ja-JP" altLang="en-US" b="0" dirty="0" smtClean="0">
+                          <a:solidFill>
+                            <a:sysClr val="windowText" lastClr="000000"/>
+                          </a:solidFill>
+                        </a:rPr>
+                        <a:t>新入社員　①</a:t>
+                      </a:r>
                       <a:endParaRPr kumimoji="1" lang="ja-JP" altLang="en-US" b="0" dirty="0">
                         <a:solidFill>
                           <a:sysClr val="windowText" lastClr="000000"/>
@@ -3957,14 +3974,14 @@
           <p:nvPr>
             <p:extLst>
               <p:ext uri="{D42A27DB-BD31-4B8C-83A1-F6EECF244321}">
-                <p14:modId xmlns:p14="http://schemas.microsoft.com/office/powerpoint/2010/main" val="316758552"/>
+                <p14:modId xmlns:p14="http://schemas.microsoft.com/office/powerpoint/2010/main" val="1154452864"/>
               </p:ext>
             </p:extLst>
           </p:nvPr>
         </p:nvGraphicFramePr>
         <p:xfrm>
           <a:off x="338203" y="1283337"/>
-          <a:ext cx="11446006" cy="1129245"/>
+          <a:ext cx="11446006" cy="5486400"/>
         </p:xfrm>
         <a:graphic>
           <a:graphicData uri="http://schemas.openxmlformats.org/drawingml/2006/table">
@@ -4059,7 +4076,278 @@
                     <a:bodyPr/>
                     <a:lstStyle/>
                     <a:p>
-                      <a:endParaRPr kumimoji="1" lang="ja-JP" altLang="en-US" sz="1800" b="0" kern="1200" dirty="0" smtClean="0">
+                      <a:r>
+                        <a:rPr kumimoji="1" lang="ja-JP" altLang="en-US" sz="1800" b="0" kern="1200" dirty="0" smtClean="0">
+                          <a:solidFill>
+                            <a:schemeClr val="tx1"/>
+                          </a:solidFill>
+                          <a:effectLst/>
+                          <a:latin typeface="+mj-ea"/>
+                          <a:ea typeface="+mn-ea"/>
+                          <a:cs typeface="+mn-cs"/>
+                        </a:rPr>
+                        <a:t>現状、新入社員以外の記事が目立ちすぎている。</a:t>
+                      </a:r>
+                      <a:endParaRPr kumimoji="1" lang="en-US" altLang="ja-JP" sz="1800" b="0" kern="1200" dirty="0" smtClean="0">
+                        <a:solidFill>
+                          <a:schemeClr val="tx1"/>
+                        </a:solidFill>
+                        <a:effectLst/>
+                        <a:latin typeface="+mj-ea"/>
+                        <a:ea typeface="+mn-ea"/>
+                        <a:cs typeface="+mn-cs"/>
+                      </a:endParaRPr>
+                    </a:p>
+                    <a:p>
+                      <a:r>
+                        <a:rPr kumimoji="1" lang="ja-JP" altLang="en-US" sz="1800" b="0" kern="1200" dirty="0" smtClean="0">
+                          <a:solidFill>
+                            <a:schemeClr val="tx1"/>
+                          </a:solidFill>
+                          <a:effectLst/>
+                          <a:latin typeface="+mj-ea"/>
+                          <a:ea typeface="+mn-ea"/>
+                          <a:cs typeface="+mn-cs"/>
+                        </a:rPr>
+                        <a:t>また、社長と会長のお話が対談形式に見え、誤解を与えてしまう可能性がある。</a:t>
+                      </a:r>
+                      <a:endParaRPr kumimoji="1" lang="en-US" altLang="ja-JP" sz="1800" b="0" kern="1200" dirty="0" smtClean="0">
+                        <a:solidFill>
+                          <a:schemeClr val="tx1"/>
+                        </a:solidFill>
+                        <a:effectLst/>
+                        <a:latin typeface="+mj-ea"/>
+                        <a:ea typeface="+mn-ea"/>
+                        <a:cs typeface="+mn-cs"/>
+                      </a:endParaRPr>
+                    </a:p>
+                    <a:p>
+                      <a:r>
+                        <a:rPr kumimoji="1" lang="ja-JP" altLang="en-US" sz="1800" b="0" kern="1200" dirty="0" smtClean="0">
+                          <a:solidFill>
+                            <a:schemeClr val="tx1"/>
+                          </a:solidFill>
+                          <a:effectLst/>
+                          <a:latin typeface="+mj-ea"/>
+                          <a:ea typeface="+mn-ea"/>
+                          <a:cs typeface="+mn-cs"/>
+                        </a:rPr>
+                        <a:t>左ページでは主役である新入社員の写真を大きくピックアップし、テーマを強調します。</a:t>
+                      </a:r>
+                      <a:endParaRPr kumimoji="1" lang="en-US" altLang="ja-JP" sz="1800" b="0" kern="1200" dirty="0" smtClean="0">
+                        <a:solidFill>
+                          <a:schemeClr val="tx1"/>
+                        </a:solidFill>
+                        <a:effectLst/>
+                        <a:latin typeface="+mj-ea"/>
+                        <a:ea typeface="+mn-ea"/>
+                        <a:cs typeface="+mn-cs"/>
+                      </a:endParaRPr>
+                    </a:p>
+                    <a:p>
+                      <a:r>
+                        <a:rPr kumimoji="1" lang="ja-JP" altLang="en-US" sz="1800" b="0" kern="1200" dirty="0" smtClean="0">
+                          <a:solidFill>
+                            <a:schemeClr val="tx1"/>
+                          </a:solidFill>
+                          <a:effectLst/>
+                          <a:latin typeface="+mj-ea"/>
+                          <a:ea typeface="+mn-ea"/>
+                          <a:cs typeface="+mn-cs"/>
+                        </a:rPr>
+                        <a:t>その下には社長・会長のお話を、それぞれ独立して見えるように配置します。</a:t>
+                      </a:r>
+                      <a:endParaRPr kumimoji="1" lang="en-US" altLang="ja-JP" sz="1800" b="0" kern="1200" dirty="0" smtClean="0">
+                        <a:solidFill>
+                          <a:schemeClr val="tx1"/>
+                        </a:solidFill>
+                        <a:effectLst/>
+                        <a:latin typeface="+mj-ea"/>
+                        <a:ea typeface="+mn-ea"/>
+                        <a:cs typeface="+mn-cs"/>
+                      </a:endParaRPr>
+                    </a:p>
+                    <a:p>
+                      <a:r>
+                        <a:rPr kumimoji="1" lang="ja-JP" altLang="en-US" sz="1800" b="0" kern="1200" dirty="0" smtClean="0">
+                          <a:solidFill>
+                            <a:schemeClr val="tx1"/>
+                          </a:solidFill>
+                          <a:effectLst/>
+                          <a:latin typeface="+mj-ea"/>
+                          <a:ea typeface="+mn-ea"/>
+                          <a:cs typeface="+mn-cs"/>
+                        </a:rPr>
+                        <a:t>＊社長と会長の写真を丸くトリミングし、写真の多い紙面にやわらかい印象を与えます。</a:t>
+                      </a:r>
+                      <a:endParaRPr kumimoji="1" lang="en-US" altLang="ja-JP" sz="1800" b="0" kern="1200" dirty="0" smtClean="0">
+                        <a:solidFill>
+                          <a:schemeClr val="tx1"/>
+                        </a:solidFill>
+                        <a:effectLst/>
+                        <a:latin typeface="+mj-ea"/>
+                        <a:ea typeface="+mn-ea"/>
+                        <a:cs typeface="+mn-cs"/>
+                      </a:endParaRPr>
+                    </a:p>
+                    <a:p>
+                      <a:pPr marL="0" marR="0" indent="0" algn="l" defTabSz="914400" rtl="0" eaLnBrk="1" fontAlgn="auto" latinLnBrk="0" hangingPunct="1">
+                        <a:lnSpc>
+                          <a:spcPct val="100000"/>
+                        </a:lnSpc>
+                        <a:spcBef>
+                          <a:spcPts val="0"/>
+                        </a:spcBef>
+                        <a:spcAft>
+                          <a:spcPts val="0"/>
+                        </a:spcAft>
+                        <a:buClrTx/>
+                        <a:buSzTx/>
+                        <a:buFontTx/>
+                        <a:buNone/>
+                        <a:tabLst/>
+                        <a:defRPr/>
+                      </a:pPr>
+                      <a:r>
+                        <a:rPr kumimoji="1" lang="ja-JP" altLang="en-US" sz="1800" b="0" kern="1200" dirty="0" smtClean="0">
+                          <a:solidFill>
+                            <a:schemeClr val="tx1"/>
+                          </a:solidFill>
+                          <a:effectLst/>
+                          <a:latin typeface="+mj-ea"/>
+                          <a:ea typeface="+mn-ea"/>
+                          <a:cs typeface="+mn-cs"/>
+                        </a:rPr>
+                        <a:t>右ページでは、新入社員の特徴を表す「</a:t>
+                      </a:r>
+                      <a:r>
+                        <a:rPr kumimoji="1" lang="en-US" altLang="ja-JP" sz="1800" b="0" kern="1200" dirty="0" smtClean="0">
+                          <a:solidFill>
+                            <a:schemeClr val="tx1"/>
+                          </a:solidFill>
+                          <a:effectLst/>
+                          <a:latin typeface="+mj-ea"/>
+                          <a:ea typeface="+mn-ea"/>
+                          <a:cs typeface="+mn-cs"/>
+                        </a:rPr>
+                        <a:t>2017</a:t>
+                      </a:r>
+                      <a:r>
+                        <a:rPr kumimoji="1" lang="ja-JP" altLang="en-US" sz="1800" b="0" kern="1200" dirty="0" smtClean="0">
+                          <a:solidFill>
+                            <a:schemeClr val="tx1"/>
+                          </a:solidFill>
+                          <a:effectLst/>
+                          <a:latin typeface="+mj-ea"/>
+                          <a:ea typeface="+mn-ea"/>
+                          <a:cs typeface="+mn-cs"/>
+                        </a:rPr>
+                        <a:t>年度新入社員のタイプ」を大きくピックアップします。</a:t>
+                      </a:r>
+                      <a:endParaRPr kumimoji="1" lang="en-US" altLang="ja-JP" sz="1800" b="0" kern="1200" dirty="0" smtClean="0">
+                        <a:solidFill>
+                          <a:schemeClr val="tx1"/>
+                        </a:solidFill>
+                        <a:effectLst/>
+                        <a:latin typeface="+mj-ea"/>
+                        <a:ea typeface="+mn-ea"/>
+                        <a:cs typeface="+mn-cs"/>
+                      </a:endParaRPr>
+                    </a:p>
+                    <a:p>
+                      <a:pPr marL="0" marR="0" indent="0" algn="l" defTabSz="914400" rtl="0" eaLnBrk="1" fontAlgn="auto" latinLnBrk="0" hangingPunct="1">
+                        <a:lnSpc>
+                          <a:spcPct val="100000"/>
+                        </a:lnSpc>
+                        <a:spcBef>
+                          <a:spcPts val="0"/>
+                        </a:spcBef>
+                        <a:spcAft>
+                          <a:spcPts val="0"/>
+                        </a:spcAft>
+                        <a:buClrTx/>
+                        <a:buSzTx/>
+                        <a:buFontTx/>
+                        <a:buNone/>
+                        <a:tabLst/>
+                        <a:defRPr/>
+                      </a:pPr>
+                      <a:r>
+                        <a:rPr kumimoji="1" lang="ja-JP" altLang="en-US" sz="1800" b="0" kern="1200" dirty="0" smtClean="0">
+                          <a:solidFill>
+                            <a:schemeClr val="tx1"/>
+                          </a:solidFill>
+                          <a:effectLst/>
+                          <a:latin typeface="+mj-ea"/>
+                          <a:ea typeface="+mn-ea"/>
+                          <a:cs typeface="+mn-cs"/>
+                        </a:rPr>
+                        <a:t>新入社員タイプとコメントを写真で囲み、コメントを吹き出しにすることで、情報を整理し、入社直後の賑やかな雰囲気を演出します。</a:t>
+                      </a:r>
+                      <a:endParaRPr kumimoji="1" lang="en-US" altLang="ja-JP" sz="1800" b="0" kern="1200" dirty="0" smtClean="0">
+                        <a:solidFill>
+                          <a:schemeClr val="tx1"/>
+                        </a:solidFill>
+                        <a:effectLst/>
+                        <a:latin typeface="+mj-ea"/>
+                        <a:ea typeface="+mn-ea"/>
+                        <a:cs typeface="+mn-cs"/>
+                      </a:endParaRPr>
+                    </a:p>
+                    <a:p>
+                      <a:pPr marL="0" marR="0" indent="0" algn="l" defTabSz="914400" rtl="0" eaLnBrk="1" fontAlgn="auto" latinLnBrk="0" hangingPunct="1">
+                        <a:lnSpc>
+                          <a:spcPct val="100000"/>
+                        </a:lnSpc>
+                        <a:spcBef>
+                          <a:spcPts val="0"/>
+                        </a:spcBef>
+                        <a:spcAft>
+                          <a:spcPts val="0"/>
+                        </a:spcAft>
+                        <a:buClrTx/>
+                        <a:buSzTx/>
+                        <a:buFontTx/>
+                        <a:buNone/>
+                        <a:tabLst/>
+                        <a:defRPr/>
+                      </a:pPr>
+                      <a:r>
+                        <a:rPr kumimoji="1" lang="ja-JP" altLang="en-US" sz="1800" b="0" kern="1200" dirty="0" smtClean="0">
+                          <a:solidFill>
+                            <a:schemeClr val="tx1"/>
+                          </a:solidFill>
+                          <a:effectLst/>
+                          <a:latin typeface="+mj-ea"/>
+                          <a:ea typeface="+mn-ea"/>
+                          <a:cs typeface="+mn-cs"/>
+                        </a:rPr>
+                        <a:t>また、新入社員タイプとその下にある新入社員へのコメントは現在は別々ですが、つながりを強調するために、同じようなテイストで写真で囲まれた中央に配置します。</a:t>
+                      </a:r>
+                      <a:endParaRPr kumimoji="1" lang="en-US" altLang="ja-JP" sz="1800" b="0" kern="1200" dirty="0" smtClean="0">
+                        <a:solidFill>
+                          <a:schemeClr val="tx1"/>
+                        </a:solidFill>
+                        <a:effectLst/>
+                        <a:latin typeface="+mj-ea"/>
+                        <a:ea typeface="+mn-ea"/>
+                        <a:cs typeface="+mn-cs"/>
+                      </a:endParaRPr>
+                    </a:p>
+                    <a:p>
+                      <a:r>
+                        <a:rPr kumimoji="1" lang="ja-JP" altLang="en-US" sz="1800" b="0" kern="1200" dirty="0" smtClean="0">
+                          <a:solidFill>
+                            <a:schemeClr val="tx1"/>
+                          </a:solidFill>
+                          <a:effectLst/>
+                          <a:latin typeface="+mj-ea"/>
+                          <a:ea typeface="+mn-ea"/>
+                          <a:cs typeface="+mn-cs"/>
+                        </a:rPr>
+                        <a:t>＊新入社員の誕生年に関する記事は目立ちすぎないように、箇条書きで整理します。</a:t>
+                      </a:r>
+                      <a:endParaRPr kumimoji="1" lang="en-US" altLang="ja-JP" sz="1800" b="0" kern="1200" dirty="0" smtClean="0">
                         <a:solidFill>
                           <a:schemeClr val="tx1"/>
                         </a:solidFill>
@@ -4213,6 +4501,66 @@
                         <a:tabLst/>
                         <a:defRPr/>
                       </a:pPr>
+                      <a:r>
+                        <a:rPr lang="ja-JP" altLang="en-US" sz="1800" b="0" dirty="0" smtClean="0">
+                          <a:effectLst/>
+                          <a:latin typeface="+mj-ea"/>
+                          <a:ea typeface="+mj-ea"/>
+                        </a:rPr>
+                        <a:t>現状、グリーンで新入社員のフレッシュさが伝わって来ますが、背景に落ち着いたトーンを使用することで、多く使われる写真をより目立たせ、スタイリッシュにページをまとめることができます。</a:t>
+                      </a:r>
+                      <a:endParaRPr lang="en-US" altLang="ja-JP" sz="1800" b="0" dirty="0" smtClean="0">
+                        <a:effectLst/>
+                        <a:latin typeface="+mj-ea"/>
+                        <a:ea typeface="+mj-ea"/>
+                      </a:endParaRPr>
+                    </a:p>
+                    <a:p>
+                      <a:pPr marL="0" marR="0" indent="0" algn="l" defTabSz="914400" rtl="0" eaLnBrk="1" fontAlgn="auto" latinLnBrk="0" hangingPunct="1">
+                        <a:lnSpc>
+                          <a:spcPct val="100000"/>
+                        </a:lnSpc>
+                        <a:spcBef>
+                          <a:spcPts val="0"/>
+                        </a:spcBef>
+                        <a:spcAft>
+                          <a:spcPts val="0"/>
+                        </a:spcAft>
+                        <a:buClrTx/>
+                        <a:buSzTx/>
+                        <a:buFontTx/>
+                        <a:buNone/>
+                        <a:tabLst/>
+                        <a:defRPr/>
+                      </a:pPr>
+                      <a:r>
+                        <a:rPr lang="ja-JP" altLang="en-US" sz="1800" b="0" dirty="0" smtClean="0">
+                          <a:effectLst/>
+                          <a:latin typeface="+mj-ea"/>
+                          <a:ea typeface="+mj-ea"/>
+                        </a:rPr>
+                        <a:t>さらに、</a:t>
+                      </a:r>
+                      <a:r>
+                        <a:rPr kumimoji="1" lang="ja-JP" altLang="en-US" sz="1800" b="0" kern="1200" dirty="0" smtClean="0">
+                          <a:solidFill>
+                            <a:schemeClr val="dk1"/>
+                          </a:solidFill>
+                          <a:effectLst/>
+                          <a:latin typeface="+mj-ea"/>
+                          <a:ea typeface="+mn-ea"/>
+                          <a:cs typeface="+mn-cs"/>
+                        </a:rPr>
+                        <a:t>グリーンの同系色をポイントとして使用することで、</a:t>
+                      </a:r>
+                      <a:r>
+                        <a:rPr lang="ja-JP" altLang="en-US" sz="1800" b="0" dirty="0" smtClean="0">
+                          <a:effectLst/>
+                          <a:latin typeface="+mj-ea"/>
+                          <a:ea typeface="+mj-ea"/>
+                        </a:rPr>
+                        <a:t>紙面全体にフレッシュさを演出します。</a:t>
+                      </a:r>
                       <a:endParaRPr lang="en-US" altLang="ja-JP" sz="1800" b="0" dirty="0" smtClean="0">
                         <a:effectLst/>
                         <a:latin typeface="+mj-ea"/>
@@ -4346,6 +4694,14 @@
                     <a:bodyPr/>
                     <a:lstStyle/>
                     <a:p>
+                      <a:r>
+                        <a:rPr lang="ja-JP" altLang="en-US" sz="1800" b="0" dirty="0" smtClean="0">
+                          <a:effectLst/>
+                          <a:latin typeface="+mj-ea"/>
+                          <a:ea typeface="+mj-ea"/>
+                        </a:rPr>
+                        <a:t>動きのある太字のフォントを使用することで、紙面全体の雰囲気を崩すことなく新入社員のフレッシュでいきいきした印象を与えます。</a:t>
+                      </a:r>
                       <a:endParaRPr lang="en-US" altLang="ja-JP" sz="1800" b="0" dirty="0" smtClean="0">
                         <a:effectLst/>
                         <a:latin typeface="+mj-ea"/>
@@ -4404,6 +4760,1020 @@
     <p:extLst>
       <p:ext uri="{BB962C8B-B14F-4D97-AF65-F5344CB8AC3E}">
         <p14:creationId xmlns:p14="http://schemas.microsoft.com/office/powerpoint/2010/main" val="1941235114"/>
+      </p:ext>
+    </p:extLst>
+  </p:cSld>
+  <p:clrMapOvr>
+    <a:masterClrMapping/>
+  </p:clrMapOvr>
+  <p:timing>
+    <p:tnLst>
+      <p:par>
+        <p:cTn id="1" dur="indefinite" restart="never" nodeType="tmRoot"/>
+      </p:par>
+    </p:tnLst>
+  </p:timing>
+</p:sld>
+</file>
+
+<file path=ppt/slides/slide2.xml><?xml version="1.0" encoding="utf-8"?>
+<p:sld xmlns:a="http://schemas.openxmlformats.org/drawingml/2006/main" xmlns:r="http://schemas.openxmlformats.org/officeDocument/2006/relationships" xmlns:p="http://schemas.openxmlformats.org/presentationml/2006/main">
+  <p:cSld>
+    <p:spTree>
+      <p:nvGrpSpPr>
+        <p:cNvPr id="1" name=""/>
+        <p:cNvGrpSpPr/>
+        <p:nvPr/>
+      </p:nvGrpSpPr>
+      <p:grpSpPr>
+        <a:xfrm>
+          <a:off x="0" y="0"/>
+          <a:ext cx="0" cy="0"/>
+          <a:chOff x="0" y="0"/>
+          <a:chExt cx="0" cy="0"/>
+        </a:xfrm>
+      </p:grpSpPr>
+      <p:graphicFrame>
+        <p:nvGraphicFramePr>
+          <p:cNvPr id="4" name="表 3"/>
+          <p:cNvGraphicFramePr>
+            <a:graphicFrameLocks noGrp="1"/>
+          </p:cNvGraphicFramePr>
+          <p:nvPr>
+            <p:extLst>
+              <p:ext uri="{D42A27DB-BD31-4B8C-83A1-F6EECF244321}">
+                <p14:modId xmlns:p14="http://schemas.microsoft.com/office/powerpoint/2010/main" val="984758531"/>
+              </p:ext>
+            </p:extLst>
+          </p:nvPr>
+        </p:nvGraphicFramePr>
+        <p:xfrm>
+          <a:off x="338203" y="356411"/>
+          <a:ext cx="8128000" cy="741680"/>
+        </p:xfrm>
+        <a:graphic>
+          <a:graphicData uri="http://schemas.openxmlformats.org/drawingml/2006/table">
+            <a:tbl>
+              <a:tblPr firstRow="1" bandRow="1">
+                <a:tableStyleId>{5C22544A-7EE6-4342-B048-85BDC9FD1C3A}</a:tableStyleId>
+              </a:tblPr>
+              <a:tblGrid>
+                <a:gridCol w="1851070"/>
+                <a:gridCol w="6276930"/>
+              </a:tblGrid>
+              <a:tr h="370840">
+                <a:tc>
+                  <a:txBody>
+                    <a:bodyPr/>
+                    <a:lstStyle/>
+                    <a:p>
+                      <a:r>
+                        <a:rPr kumimoji="1" lang="ja-JP" altLang="en-US" b="0" dirty="0" smtClean="0">
+                          <a:solidFill>
+                            <a:sysClr val="windowText" lastClr="000000"/>
+                          </a:solidFill>
+                        </a:rPr>
+                        <a:t>クライアント</a:t>
+                      </a:r>
+                      <a:endParaRPr kumimoji="1" lang="ja-JP" altLang="en-US" b="0" dirty="0">
+                        <a:solidFill>
+                          <a:sysClr val="windowText" lastClr="000000"/>
+                        </a:solidFill>
+                      </a:endParaRPr>
+                    </a:p>
+                  </a:txBody>
+                  <a:tcPr>
+                    <a:lnL w="12700" cap="flat" cmpd="sng" algn="ctr">
+                      <a:solidFill>
+                        <a:schemeClr val="tx1"/>
+                      </a:solidFill>
+                      <a:prstDash val="solid"/>
+                      <a:round/>
+                      <a:headEnd type="none" w="med" len="med"/>
+                      <a:tailEnd type="none" w="med" len="med"/>
+                    </a:lnL>
+                    <a:lnR w="12700" cap="flat" cmpd="sng" algn="ctr">
+                      <a:solidFill>
+                        <a:schemeClr val="tx1"/>
+                      </a:solidFill>
+                      <a:prstDash val="solid"/>
+                      <a:round/>
+                      <a:headEnd type="none" w="med" len="med"/>
+                      <a:tailEnd type="none" w="med" len="med"/>
+                    </a:lnR>
+                    <a:lnT w="12700" cap="flat" cmpd="sng" algn="ctr">
+                      <a:solidFill>
+                        <a:schemeClr val="tx1"/>
+                      </a:solidFill>
+                      <a:prstDash val="solid"/>
+                      <a:round/>
+                      <a:headEnd type="none" w="med" len="med"/>
+                      <a:tailEnd type="none" w="med" len="med"/>
+                    </a:lnT>
+                    <a:lnB w="12700" cap="flat" cmpd="sng" algn="ctr">
+                      <a:solidFill>
+                        <a:schemeClr val="tx1"/>
+                      </a:solidFill>
+                      <a:prstDash val="solid"/>
+                      <a:round/>
+                      <a:headEnd type="none" w="med" len="med"/>
+                      <a:tailEnd type="none" w="med" len="med"/>
+                    </a:lnB>
+                    <a:lnTlToBr w="12700" cmpd="sng">
+                      <a:noFill/>
+                      <a:prstDash val="solid"/>
+                    </a:lnTlToBr>
+                    <a:lnBlToTr w="12700" cmpd="sng">
+                      <a:noFill/>
+                      <a:prstDash val="solid"/>
+                    </a:lnBlToTr>
+                    <a:solidFill>
+                      <a:schemeClr val="accent5">
+                        <a:lumMod val="20000"/>
+                        <a:lumOff val="80000"/>
+                      </a:schemeClr>
+                    </a:solidFill>
+                  </a:tcPr>
+                </a:tc>
+                <a:tc>
+                  <a:txBody>
+                    <a:bodyPr/>
+                    <a:lstStyle/>
+                    <a:p>
+                      <a:r>
+                        <a:rPr kumimoji="1" lang="ja-JP" altLang="en-US" b="0" dirty="0" smtClean="0">
+                          <a:solidFill>
+                            <a:sysClr val="windowText" lastClr="000000"/>
+                          </a:solidFill>
+                        </a:rPr>
+                        <a:t>伊藤園さま</a:t>
+                      </a:r>
+                      <a:endParaRPr kumimoji="1" lang="ja-JP" altLang="en-US" b="0" dirty="0">
+                        <a:solidFill>
+                          <a:sysClr val="windowText" lastClr="000000"/>
+                        </a:solidFill>
+                      </a:endParaRPr>
+                    </a:p>
+                  </a:txBody>
+                  <a:tcPr>
+                    <a:lnL w="12700" cap="flat" cmpd="sng" algn="ctr">
+                      <a:solidFill>
+                        <a:schemeClr val="tx1"/>
+                      </a:solidFill>
+                      <a:prstDash val="solid"/>
+                      <a:round/>
+                      <a:headEnd type="none" w="med" len="med"/>
+                      <a:tailEnd type="none" w="med" len="med"/>
+                    </a:lnL>
+                    <a:lnR w="12700" cap="flat" cmpd="sng" algn="ctr">
+                      <a:solidFill>
+                        <a:schemeClr val="tx1"/>
+                      </a:solidFill>
+                      <a:prstDash val="solid"/>
+                      <a:round/>
+                      <a:headEnd type="none" w="med" len="med"/>
+                      <a:tailEnd type="none" w="med" len="med"/>
+                    </a:lnR>
+                    <a:lnT w="12700" cap="flat" cmpd="sng" algn="ctr">
+                      <a:solidFill>
+                        <a:schemeClr val="tx1"/>
+                      </a:solidFill>
+                      <a:prstDash val="solid"/>
+                      <a:round/>
+                      <a:headEnd type="none" w="med" len="med"/>
+                      <a:tailEnd type="none" w="med" len="med"/>
+                    </a:lnT>
+                    <a:lnB w="12700" cap="flat" cmpd="sng" algn="ctr">
+                      <a:solidFill>
+                        <a:schemeClr val="tx1"/>
+                      </a:solidFill>
+                      <a:prstDash val="solid"/>
+                      <a:round/>
+                      <a:headEnd type="none" w="med" len="med"/>
+                      <a:tailEnd type="none" w="med" len="med"/>
+                    </a:lnB>
+                    <a:lnTlToBr w="12700" cmpd="sng">
+                      <a:noFill/>
+                      <a:prstDash val="solid"/>
+                    </a:lnTlToBr>
+                    <a:lnBlToTr w="12700" cmpd="sng">
+                      <a:noFill/>
+                      <a:prstDash val="solid"/>
+                    </a:lnBlToTr>
+                    <a:solidFill>
+                      <a:schemeClr val="bg1"/>
+                    </a:solidFill>
+                  </a:tcPr>
+                </a:tc>
+              </a:tr>
+              <a:tr h="370840">
+                <a:tc>
+                  <a:txBody>
+                    <a:bodyPr/>
+                    <a:lstStyle/>
+                    <a:p>
+                      <a:r>
+                        <a:rPr kumimoji="1" lang="ja-JP" altLang="en-US" b="0" dirty="0" smtClean="0">
+                          <a:solidFill>
+                            <a:sysClr val="windowText" lastClr="000000"/>
+                          </a:solidFill>
+                        </a:rPr>
+                        <a:t>企画名</a:t>
+                      </a:r>
+                      <a:endParaRPr kumimoji="1" lang="ja-JP" altLang="en-US" b="0" dirty="0">
+                        <a:solidFill>
+                          <a:sysClr val="windowText" lastClr="000000"/>
+                        </a:solidFill>
+                      </a:endParaRPr>
+                    </a:p>
+                  </a:txBody>
+                  <a:tcPr>
+                    <a:lnL w="12700" cap="flat" cmpd="sng" algn="ctr">
+                      <a:solidFill>
+                        <a:schemeClr val="tx1"/>
+                      </a:solidFill>
+                      <a:prstDash val="solid"/>
+                      <a:round/>
+                      <a:headEnd type="none" w="med" len="med"/>
+                      <a:tailEnd type="none" w="med" len="med"/>
+                    </a:lnL>
+                    <a:lnR w="12700" cap="flat" cmpd="sng" algn="ctr">
+                      <a:solidFill>
+                        <a:schemeClr val="tx1"/>
+                      </a:solidFill>
+                      <a:prstDash val="solid"/>
+                      <a:round/>
+                      <a:headEnd type="none" w="med" len="med"/>
+                      <a:tailEnd type="none" w="med" len="med"/>
+                    </a:lnR>
+                    <a:lnT w="12700" cap="flat" cmpd="sng" algn="ctr">
+                      <a:solidFill>
+                        <a:schemeClr val="tx1"/>
+                      </a:solidFill>
+                      <a:prstDash val="solid"/>
+                      <a:round/>
+                      <a:headEnd type="none" w="med" len="med"/>
+                      <a:tailEnd type="none" w="med" len="med"/>
+                    </a:lnT>
+                    <a:lnB w="12700" cap="flat" cmpd="sng" algn="ctr">
+                      <a:solidFill>
+                        <a:schemeClr val="tx1"/>
+                      </a:solidFill>
+                      <a:prstDash val="solid"/>
+                      <a:round/>
+                      <a:headEnd type="none" w="med" len="med"/>
+                      <a:tailEnd type="none" w="med" len="med"/>
+                    </a:lnB>
+                    <a:lnTlToBr w="12700" cmpd="sng">
+                      <a:noFill/>
+                      <a:prstDash val="solid"/>
+                    </a:lnTlToBr>
+                    <a:lnBlToTr w="12700" cmpd="sng">
+                      <a:noFill/>
+                      <a:prstDash val="solid"/>
+                    </a:lnBlToTr>
+                    <a:solidFill>
+                      <a:schemeClr val="accent5">
+                        <a:lumMod val="20000"/>
+                        <a:lumOff val="80000"/>
+                      </a:schemeClr>
+                    </a:solidFill>
+                  </a:tcPr>
+                </a:tc>
+                <a:tc>
+                  <a:txBody>
+                    <a:bodyPr/>
+                    <a:lstStyle/>
+                    <a:p>
+                      <a:r>
+                        <a:rPr kumimoji="1" lang="ja-JP" altLang="en-US" b="0" dirty="0" smtClean="0">
+                          <a:solidFill>
+                            <a:sysClr val="windowText" lastClr="000000"/>
+                          </a:solidFill>
+                        </a:rPr>
+                        <a:t>新入社員　②</a:t>
+                      </a:r>
+                      <a:endParaRPr kumimoji="1" lang="ja-JP" altLang="en-US" b="0" dirty="0">
+                        <a:solidFill>
+                          <a:sysClr val="windowText" lastClr="000000"/>
+                        </a:solidFill>
+                      </a:endParaRPr>
+                    </a:p>
+                  </a:txBody>
+                  <a:tcPr>
+                    <a:lnL w="12700" cap="flat" cmpd="sng" algn="ctr">
+                      <a:solidFill>
+                        <a:schemeClr val="tx1"/>
+                      </a:solidFill>
+                      <a:prstDash val="solid"/>
+                      <a:round/>
+                      <a:headEnd type="none" w="med" len="med"/>
+                      <a:tailEnd type="none" w="med" len="med"/>
+                    </a:lnL>
+                    <a:lnR w="12700" cap="flat" cmpd="sng" algn="ctr">
+                      <a:solidFill>
+                        <a:schemeClr val="tx1"/>
+                      </a:solidFill>
+                      <a:prstDash val="solid"/>
+                      <a:round/>
+                      <a:headEnd type="none" w="med" len="med"/>
+                      <a:tailEnd type="none" w="med" len="med"/>
+                    </a:lnR>
+                    <a:lnT w="12700" cap="flat" cmpd="sng" algn="ctr">
+                      <a:solidFill>
+                        <a:schemeClr val="tx1"/>
+                      </a:solidFill>
+                      <a:prstDash val="solid"/>
+                      <a:round/>
+                      <a:headEnd type="none" w="med" len="med"/>
+                      <a:tailEnd type="none" w="med" len="med"/>
+                    </a:lnT>
+                    <a:lnB w="12700" cap="flat" cmpd="sng" algn="ctr">
+                      <a:solidFill>
+                        <a:schemeClr val="tx1"/>
+                      </a:solidFill>
+                      <a:prstDash val="solid"/>
+                      <a:round/>
+                      <a:headEnd type="none" w="med" len="med"/>
+                      <a:tailEnd type="none" w="med" len="med"/>
+                    </a:lnB>
+                    <a:lnTlToBr w="12700" cmpd="sng">
+                      <a:noFill/>
+                      <a:prstDash val="solid"/>
+                    </a:lnTlToBr>
+                    <a:lnBlToTr w="12700" cmpd="sng">
+                      <a:noFill/>
+                      <a:prstDash val="solid"/>
+                    </a:lnBlToTr>
+                    <a:solidFill>
+                      <a:schemeClr val="bg1"/>
+                    </a:solidFill>
+                  </a:tcPr>
+                </a:tc>
+              </a:tr>
+            </a:tbl>
+          </a:graphicData>
+        </a:graphic>
+      </p:graphicFrame>
+      <p:graphicFrame>
+        <p:nvGraphicFramePr>
+          <p:cNvPr id="5" name="表 4"/>
+          <p:cNvGraphicFramePr>
+            <a:graphicFrameLocks noGrp="1"/>
+          </p:cNvGraphicFramePr>
+          <p:nvPr>
+            <p:extLst>
+              <p:ext uri="{D42A27DB-BD31-4B8C-83A1-F6EECF244321}">
+                <p14:modId xmlns:p14="http://schemas.microsoft.com/office/powerpoint/2010/main" val="2069077073"/>
+              </p:ext>
+            </p:extLst>
+          </p:nvPr>
+        </p:nvGraphicFramePr>
+        <p:xfrm>
+          <a:off x="338203" y="1283337"/>
+          <a:ext cx="11446006" cy="3840480"/>
+        </p:xfrm>
+        <a:graphic>
+          <a:graphicData uri="http://schemas.openxmlformats.org/drawingml/2006/table">
+            <a:tbl>
+              <a:tblPr firstRow="1" bandRow="1">
+                <a:tableStyleId>{5C22544A-7EE6-4342-B048-85BDC9FD1C3A}</a:tableStyleId>
+              </a:tblPr>
+              <a:tblGrid>
+                <a:gridCol w="2176747"/>
+                <a:gridCol w="9269259"/>
+              </a:tblGrid>
+              <a:tr h="370840">
+                <a:tc>
+                  <a:txBody>
+                    <a:bodyPr/>
+                    <a:lstStyle/>
+                    <a:p>
+                      <a:r>
+                        <a:rPr kumimoji="1" lang="ja-JP" altLang="en-US" b="0" dirty="0" smtClean="0">
+                          <a:ln>
+                            <a:solidFill>
+                              <a:schemeClr val="tx1"/>
+                            </a:solidFill>
+                          </a:ln>
+                          <a:solidFill>
+                            <a:schemeClr val="tx1"/>
+                          </a:solidFill>
+                          <a:latin typeface="+mn-lt"/>
+                        </a:rPr>
+                        <a:t>レイアウト</a:t>
+                      </a:r>
+                      <a:endParaRPr kumimoji="1" lang="ja-JP" altLang="en-US" b="0" dirty="0">
+                        <a:ln>
+                          <a:solidFill>
+                            <a:schemeClr val="tx1"/>
+                          </a:solidFill>
+                        </a:ln>
+                        <a:solidFill>
+                          <a:schemeClr val="tx1"/>
+                        </a:solidFill>
+                        <a:latin typeface="+mn-lt"/>
+                      </a:endParaRPr>
+                    </a:p>
+                  </a:txBody>
+                  <a:tcPr>
+                    <a:lnL w="12700" cap="flat" cmpd="sng" algn="ctr">
+                      <a:solidFill>
+                        <a:schemeClr val="tx1"/>
+                      </a:solidFill>
+                      <a:prstDash val="solid"/>
+                      <a:round/>
+                      <a:headEnd type="none" w="med" len="med"/>
+                      <a:tailEnd type="none" w="med" len="med"/>
+                    </a:lnL>
+                    <a:lnR w="12700" cap="flat" cmpd="sng" algn="ctr">
+                      <a:solidFill>
+                        <a:schemeClr val="tx1"/>
+                      </a:solidFill>
+                      <a:prstDash val="solid"/>
+                      <a:round/>
+                      <a:headEnd type="none" w="med" len="med"/>
+                      <a:tailEnd type="none" w="med" len="med"/>
+                    </a:lnR>
+                    <a:lnT w="12700" cap="flat" cmpd="sng" algn="ctr">
+                      <a:solidFill>
+                        <a:schemeClr val="tx1"/>
+                      </a:solidFill>
+                      <a:prstDash val="solid"/>
+                      <a:round/>
+                      <a:headEnd type="none" w="med" len="med"/>
+                      <a:tailEnd type="none" w="med" len="med"/>
+                    </a:lnT>
+                    <a:lnB w="12700" cap="flat" cmpd="sng" algn="ctr">
+                      <a:solidFill>
+                        <a:schemeClr val="tx1"/>
+                      </a:solidFill>
+                      <a:prstDash val="solid"/>
+                      <a:round/>
+                      <a:headEnd type="none" w="med" len="med"/>
+                      <a:tailEnd type="none" w="med" len="med"/>
+                    </a:lnB>
+                    <a:solidFill>
+                      <a:schemeClr val="accent5">
+                        <a:lumMod val="20000"/>
+                        <a:lumOff val="80000"/>
+                      </a:schemeClr>
+                    </a:solidFill>
+                  </a:tcPr>
+                </a:tc>
+                <a:tc>
+                  <a:txBody>
+                    <a:bodyPr/>
+                    <a:lstStyle/>
+                    <a:p>
+                      <a:r>
+                        <a:rPr kumimoji="1" lang="ja-JP" altLang="en-US" sz="1800" b="0" kern="1200" dirty="0" smtClean="0">
+                          <a:solidFill>
+                            <a:schemeClr val="tx1"/>
+                          </a:solidFill>
+                          <a:effectLst/>
+                          <a:latin typeface="+mj-ea"/>
+                          <a:ea typeface="+mn-ea"/>
+                          <a:cs typeface="+mn-cs"/>
+                        </a:rPr>
+                        <a:t>現状、新入社員の全グループが１つにまとめられており、無機質な印象を受けると同時に、新入社員一人一人の個性を感じさせない。</a:t>
+                      </a:r>
+                      <a:endParaRPr kumimoji="1" lang="en-US" altLang="ja-JP" sz="1800" b="0" kern="1200" dirty="0" smtClean="0">
+                        <a:solidFill>
+                          <a:schemeClr val="tx1"/>
+                        </a:solidFill>
+                        <a:effectLst/>
+                        <a:latin typeface="+mj-ea"/>
+                        <a:ea typeface="+mn-ea"/>
+                        <a:cs typeface="+mn-cs"/>
+                      </a:endParaRPr>
+                    </a:p>
+                    <a:p>
+                      <a:r>
+                        <a:rPr kumimoji="1" lang="ja-JP" altLang="en-US" sz="1800" b="0" kern="1200" dirty="0" smtClean="0">
+                          <a:solidFill>
+                            <a:schemeClr val="tx1"/>
+                          </a:solidFill>
+                          <a:effectLst/>
+                          <a:latin typeface="+mj-ea"/>
+                          <a:ea typeface="+mn-ea"/>
+                          <a:cs typeface="+mn-cs"/>
+                        </a:rPr>
+                        <a:t>各グループごとに見開き１ページふんだんに使用します。</a:t>
+                      </a:r>
+                      <a:endParaRPr kumimoji="1" lang="en-US" altLang="ja-JP" sz="1800" b="0" kern="1200" dirty="0" smtClean="0">
+                        <a:solidFill>
+                          <a:schemeClr val="tx1"/>
+                        </a:solidFill>
+                        <a:effectLst/>
+                        <a:latin typeface="+mj-ea"/>
+                        <a:ea typeface="+mn-ea"/>
+                        <a:cs typeface="+mn-cs"/>
+                      </a:endParaRPr>
+                    </a:p>
+                    <a:p>
+                      <a:pPr marL="0" marR="0" indent="0" algn="l" defTabSz="914400" rtl="0" eaLnBrk="1" fontAlgn="auto" latinLnBrk="0" hangingPunct="1">
+                        <a:lnSpc>
+                          <a:spcPct val="100000"/>
+                        </a:lnSpc>
+                        <a:spcBef>
+                          <a:spcPts val="0"/>
+                        </a:spcBef>
+                        <a:spcAft>
+                          <a:spcPts val="0"/>
+                        </a:spcAft>
+                        <a:buClrTx/>
+                        <a:buSzTx/>
+                        <a:buFontTx/>
+                        <a:buNone/>
+                        <a:tabLst/>
+                        <a:defRPr/>
+                      </a:pPr>
+                      <a:r>
+                        <a:rPr kumimoji="1" lang="ja-JP" altLang="en-US" sz="1800" b="0" kern="1200" dirty="0" smtClean="0">
+                          <a:solidFill>
+                            <a:schemeClr val="tx1"/>
+                          </a:solidFill>
+                          <a:effectLst/>
+                          <a:latin typeface="+mj-ea"/>
+                          <a:ea typeface="+mn-ea"/>
+                          <a:cs typeface="+mn-cs"/>
+                        </a:rPr>
+                        <a:t>見開きの中央に帯にようにして、その中で新入社員それぞれのポージング写真を挿入し、個性を輝かせます。</a:t>
+                      </a:r>
+                      <a:endParaRPr kumimoji="1" lang="en-US" altLang="ja-JP" sz="1800" b="0" kern="1200" dirty="0" smtClean="0">
+                        <a:solidFill>
+                          <a:schemeClr val="tx1"/>
+                        </a:solidFill>
+                        <a:effectLst/>
+                        <a:latin typeface="+mj-ea"/>
+                        <a:ea typeface="+mn-ea"/>
+                        <a:cs typeface="+mn-cs"/>
+                      </a:endParaRPr>
+                    </a:p>
+                    <a:p>
+                      <a:pPr marL="0" marR="0" indent="0" algn="l" defTabSz="914400" rtl="0" eaLnBrk="1" fontAlgn="auto" latinLnBrk="0" hangingPunct="1">
+                        <a:lnSpc>
+                          <a:spcPct val="100000"/>
+                        </a:lnSpc>
+                        <a:spcBef>
+                          <a:spcPts val="0"/>
+                        </a:spcBef>
+                        <a:spcAft>
+                          <a:spcPts val="0"/>
+                        </a:spcAft>
+                        <a:buClrTx/>
+                        <a:buSzTx/>
+                        <a:buFontTx/>
+                        <a:buNone/>
+                        <a:tabLst/>
+                        <a:defRPr/>
+                      </a:pPr>
+                      <a:r>
+                        <a:rPr kumimoji="1" lang="ja-JP" altLang="en-US" sz="1800" b="0" kern="1200" dirty="0" smtClean="0">
+                          <a:solidFill>
+                            <a:schemeClr val="tx1"/>
+                          </a:solidFill>
+                          <a:effectLst/>
+                          <a:latin typeface="+mj-ea"/>
+                          <a:ea typeface="+mn-ea"/>
+                          <a:cs typeface="+mn-cs"/>
+                        </a:rPr>
+                        <a:t>テキストによる紹介は、帯の上下に対応関係がわかるようにシンプルに配置します。</a:t>
+                      </a:r>
+                      <a:endParaRPr kumimoji="1" lang="en-US" altLang="ja-JP" sz="1800" b="0" kern="1200" dirty="0" smtClean="0">
+                        <a:solidFill>
+                          <a:schemeClr val="tx1"/>
+                        </a:solidFill>
+                        <a:effectLst/>
+                        <a:latin typeface="+mj-ea"/>
+                        <a:ea typeface="+mn-ea"/>
+                        <a:cs typeface="+mn-cs"/>
+                      </a:endParaRPr>
+                    </a:p>
+                    <a:p>
+                      <a:pPr marL="0" marR="0" indent="0" algn="l" defTabSz="914400" rtl="0" eaLnBrk="1" fontAlgn="auto" latinLnBrk="0" hangingPunct="1">
+                        <a:lnSpc>
+                          <a:spcPct val="100000"/>
+                        </a:lnSpc>
+                        <a:spcBef>
+                          <a:spcPts val="0"/>
+                        </a:spcBef>
+                        <a:spcAft>
+                          <a:spcPts val="0"/>
+                        </a:spcAft>
+                        <a:buClrTx/>
+                        <a:buSzTx/>
+                        <a:buFontTx/>
+                        <a:buNone/>
+                        <a:tabLst/>
+                        <a:defRPr/>
+                      </a:pPr>
+                      <a:r>
+                        <a:rPr kumimoji="1" lang="ja-JP" altLang="en-US" sz="1800" b="0" kern="1200" dirty="0" smtClean="0">
+                          <a:solidFill>
+                            <a:schemeClr val="tx1"/>
+                          </a:solidFill>
+                          <a:effectLst/>
+                          <a:latin typeface="+mj-ea"/>
+                          <a:ea typeface="+mn-ea"/>
+                          <a:cs typeface="+mn-cs"/>
+                        </a:rPr>
+                        <a:t>全体としてページ数は増えますが、新入社員一人一人の個性を最大限活かしたレイアウトになります。</a:t>
+                      </a:r>
+                      <a:endParaRPr kumimoji="1" lang="en-US" altLang="ja-JP" sz="1800" b="0" kern="1200" dirty="0" smtClean="0">
+                        <a:solidFill>
+                          <a:schemeClr val="tx1"/>
+                        </a:solidFill>
+                        <a:effectLst/>
+                        <a:latin typeface="+mj-ea"/>
+                        <a:ea typeface="+mn-ea"/>
+                        <a:cs typeface="+mn-cs"/>
+                      </a:endParaRPr>
+                    </a:p>
+                  </a:txBody>
+                  <a:tcPr anchor="ctr">
+                    <a:lnL w="12700" cap="flat" cmpd="sng" algn="ctr">
+                      <a:solidFill>
+                        <a:schemeClr val="tx1"/>
+                      </a:solidFill>
+                      <a:prstDash val="solid"/>
+                      <a:round/>
+                      <a:headEnd type="none" w="med" len="med"/>
+                      <a:tailEnd type="none" w="med" len="med"/>
+                    </a:lnL>
+                    <a:lnR w="12700" cap="flat" cmpd="sng" algn="ctr">
+                      <a:solidFill>
+                        <a:schemeClr val="tx1"/>
+                      </a:solidFill>
+                      <a:prstDash val="solid"/>
+                      <a:round/>
+                      <a:headEnd type="none" w="med" len="med"/>
+                      <a:tailEnd type="none" w="med" len="med"/>
+                    </a:lnR>
+                    <a:lnT w="12700" cap="flat" cmpd="sng" algn="ctr">
+                      <a:solidFill>
+                        <a:schemeClr val="tx1"/>
+                      </a:solidFill>
+                      <a:prstDash val="solid"/>
+                      <a:round/>
+                      <a:headEnd type="none" w="med" len="med"/>
+                      <a:tailEnd type="none" w="med" len="med"/>
+                    </a:lnT>
+                    <a:lnB w="12700" cap="flat" cmpd="sng" algn="ctr">
+                      <a:solidFill>
+                        <a:schemeClr val="tx1"/>
+                      </a:solidFill>
+                      <a:prstDash val="solid"/>
+                      <a:round/>
+                      <a:headEnd type="none" w="med" len="med"/>
+                      <a:tailEnd type="none" w="med" len="med"/>
+                    </a:lnB>
+                    <a:solidFill>
+                      <a:schemeClr val="bg1"/>
+                    </a:solidFill>
+                  </a:tcPr>
+                </a:tc>
+              </a:tr>
+              <a:tr h="387565">
+                <a:tc>
+                  <a:txBody>
+                    <a:bodyPr/>
+                    <a:lstStyle/>
+                    <a:p>
+                      <a:r>
+                        <a:rPr kumimoji="1" lang="ja-JP" altLang="en-US" b="0" dirty="0" smtClean="0">
+                          <a:ln>
+                            <a:solidFill>
+                              <a:schemeClr val="tx1"/>
+                            </a:solidFill>
+                          </a:ln>
+                          <a:solidFill>
+                            <a:schemeClr val="tx1"/>
+                          </a:solidFill>
+                          <a:latin typeface="+mn-lt"/>
+                        </a:rPr>
+                        <a:t>トーン</a:t>
+                      </a:r>
+                      <a:endParaRPr kumimoji="1" lang="ja-JP" altLang="en-US" b="0" dirty="0">
+                        <a:ln>
+                          <a:solidFill>
+                            <a:schemeClr val="tx1"/>
+                          </a:solidFill>
+                        </a:ln>
+                        <a:solidFill>
+                          <a:schemeClr val="tx1"/>
+                        </a:solidFill>
+                        <a:latin typeface="+mn-lt"/>
+                      </a:endParaRPr>
+                    </a:p>
+                  </a:txBody>
+                  <a:tcPr>
+                    <a:lnL w="12700" cap="flat" cmpd="sng" algn="ctr">
+                      <a:solidFill>
+                        <a:schemeClr val="tx1"/>
+                      </a:solidFill>
+                      <a:prstDash val="solid"/>
+                      <a:round/>
+                      <a:headEnd type="none" w="med" len="med"/>
+                      <a:tailEnd type="none" w="med" len="med"/>
+                    </a:lnL>
+                    <a:lnR w="12700" cap="flat" cmpd="sng" algn="ctr">
+                      <a:solidFill>
+                        <a:schemeClr val="tx1"/>
+                      </a:solidFill>
+                      <a:prstDash val="solid"/>
+                      <a:round/>
+                      <a:headEnd type="none" w="med" len="med"/>
+                      <a:tailEnd type="none" w="med" len="med"/>
+                    </a:lnR>
+                    <a:lnT w="12700" cap="flat" cmpd="sng" algn="ctr">
+                      <a:solidFill>
+                        <a:schemeClr val="tx1"/>
+                      </a:solidFill>
+                      <a:prstDash val="solid"/>
+                      <a:round/>
+                      <a:headEnd type="none" w="med" len="med"/>
+                      <a:tailEnd type="none" w="med" len="med"/>
+                    </a:lnT>
+                    <a:lnB w="12700" cap="flat" cmpd="sng" algn="ctr">
+                      <a:solidFill>
+                        <a:schemeClr val="tx1"/>
+                      </a:solidFill>
+                      <a:prstDash val="solid"/>
+                      <a:round/>
+                      <a:headEnd type="none" w="med" len="med"/>
+                      <a:tailEnd type="none" w="med" len="med"/>
+                    </a:lnB>
+                    <a:solidFill>
+                      <a:schemeClr val="accent5">
+                        <a:lumMod val="20000"/>
+                        <a:lumOff val="80000"/>
+                      </a:schemeClr>
+                    </a:solidFill>
+                  </a:tcPr>
+                </a:tc>
+                <a:tc>
+                  <a:txBody>
+                    <a:bodyPr/>
+                    <a:lstStyle/>
+                    <a:p>
+                      <a:pPr marL="0" marR="0" indent="0" algn="l" defTabSz="914400" rtl="0" eaLnBrk="1" fontAlgn="auto" latinLnBrk="0" hangingPunct="1">
+                        <a:lnSpc>
+                          <a:spcPct val="100000"/>
+                        </a:lnSpc>
+                        <a:spcBef>
+                          <a:spcPts val="0"/>
+                        </a:spcBef>
+                        <a:spcAft>
+                          <a:spcPts val="0"/>
+                        </a:spcAft>
+                        <a:buClrTx/>
+                        <a:buSzTx/>
+                        <a:buFontTx/>
+                        <a:buNone/>
+                        <a:tabLst/>
+                        <a:defRPr/>
+                      </a:pPr>
+                      <a:r>
+                        <a:rPr lang="ja-JP" altLang="en-US" sz="1800" b="0" dirty="0" smtClean="0">
+                          <a:effectLst/>
+                          <a:latin typeface="+mj-ea"/>
+                          <a:ea typeface="+mj-ea"/>
+                        </a:rPr>
+                        <a:t>１ページ目のフレッシュな印象を引き継ぐように、同じグリーンを使用します。</a:t>
+                      </a:r>
+                      <a:endParaRPr lang="en-US" altLang="ja-JP" sz="1800" b="0" dirty="0" smtClean="0">
+                        <a:effectLst/>
+                        <a:latin typeface="+mj-ea"/>
+                        <a:ea typeface="+mj-ea"/>
+                      </a:endParaRPr>
+                    </a:p>
+                    <a:p>
+                      <a:pPr marL="0" marR="0" indent="0" algn="l" defTabSz="914400" rtl="0" eaLnBrk="1" fontAlgn="auto" latinLnBrk="0" hangingPunct="1">
+                        <a:lnSpc>
+                          <a:spcPct val="100000"/>
+                        </a:lnSpc>
+                        <a:spcBef>
+                          <a:spcPts val="0"/>
+                        </a:spcBef>
+                        <a:spcAft>
+                          <a:spcPts val="0"/>
+                        </a:spcAft>
+                        <a:buClrTx/>
+                        <a:buSzTx/>
+                        <a:buFontTx/>
+                        <a:buNone/>
+                        <a:tabLst/>
+                        <a:defRPr/>
+                      </a:pPr>
+                      <a:r>
+                        <a:rPr lang="ja-JP" altLang="en-US" sz="1800" b="0" dirty="0" smtClean="0">
+                          <a:effectLst/>
+                          <a:latin typeface="+mj-ea"/>
+                          <a:ea typeface="+mj-ea"/>
+                        </a:rPr>
+                        <a:t>ページ全体ではなく新入社員の写真が入る帯の部分に背景色としてグリーンを入れることで、新鮮な印象を与えます。</a:t>
+                      </a:r>
+                      <a:endParaRPr lang="en-US" altLang="ja-JP" sz="1800" b="0" dirty="0" smtClean="0">
+                        <a:effectLst/>
+                        <a:latin typeface="+mj-ea"/>
+                        <a:ea typeface="+mj-ea"/>
+                      </a:endParaRPr>
+                    </a:p>
+                  </a:txBody>
+                  <a:tcPr anchor="ctr">
+                    <a:lnL w="12700" cap="flat" cmpd="sng" algn="ctr">
+                      <a:solidFill>
+                        <a:schemeClr val="tx1"/>
+                      </a:solidFill>
+                      <a:prstDash val="solid"/>
+                      <a:round/>
+                      <a:headEnd type="none" w="med" len="med"/>
+                      <a:tailEnd type="none" w="med" len="med"/>
+                    </a:lnL>
+                    <a:lnR w="12700" cap="flat" cmpd="sng" algn="ctr">
+                      <a:solidFill>
+                        <a:schemeClr val="tx1"/>
+                      </a:solidFill>
+                      <a:prstDash val="solid"/>
+                      <a:round/>
+                      <a:headEnd type="none" w="med" len="med"/>
+                      <a:tailEnd type="none" w="med" len="med"/>
+                    </a:lnR>
+                    <a:lnT w="12700" cap="flat" cmpd="sng" algn="ctr">
+                      <a:solidFill>
+                        <a:schemeClr val="tx1"/>
+                      </a:solidFill>
+                      <a:prstDash val="solid"/>
+                      <a:round/>
+                      <a:headEnd type="none" w="med" len="med"/>
+                      <a:tailEnd type="none" w="med" len="med"/>
+                    </a:lnT>
+                    <a:lnB w="12700" cap="flat" cmpd="sng" algn="ctr">
+                      <a:solidFill>
+                        <a:schemeClr val="tx1"/>
+                      </a:solidFill>
+                      <a:prstDash val="solid"/>
+                      <a:round/>
+                      <a:headEnd type="none" w="med" len="med"/>
+                      <a:tailEnd type="none" w="med" len="med"/>
+                    </a:lnB>
+                    <a:solidFill>
+                      <a:schemeClr val="bg1"/>
+                    </a:solidFill>
+                  </a:tcPr>
+                </a:tc>
+              </a:tr>
+              <a:tr h="370840">
+                <a:tc>
+                  <a:txBody>
+                    <a:bodyPr/>
+                    <a:lstStyle/>
+                    <a:p>
+                      <a:r>
+                        <a:rPr kumimoji="1" lang="ja-JP" altLang="en-US" b="0" dirty="0" smtClean="0">
+                          <a:ln>
+                            <a:solidFill>
+                              <a:schemeClr val="tx1"/>
+                            </a:solidFill>
+                          </a:ln>
+                          <a:solidFill>
+                            <a:schemeClr val="tx1"/>
+                          </a:solidFill>
+                          <a:latin typeface="+mn-lt"/>
+                        </a:rPr>
+                        <a:t>タイトル</a:t>
+                      </a:r>
+                      <a:endParaRPr kumimoji="1" lang="ja-JP" altLang="en-US" b="0" dirty="0">
+                        <a:ln>
+                          <a:solidFill>
+                            <a:schemeClr val="tx1"/>
+                          </a:solidFill>
+                        </a:ln>
+                        <a:solidFill>
+                          <a:schemeClr val="tx1"/>
+                        </a:solidFill>
+                        <a:latin typeface="+mn-lt"/>
+                      </a:endParaRPr>
+                    </a:p>
+                  </a:txBody>
+                  <a:tcPr>
+                    <a:lnL w="12700" cap="flat" cmpd="sng" algn="ctr">
+                      <a:solidFill>
+                        <a:schemeClr val="tx1"/>
+                      </a:solidFill>
+                      <a:prstDash val="solid"/>
+                      <a:round/>
+                      <a:headEnd type="none" w="med" len="med"/>
+                      <a:tailEnd type="none" w="med" len="med"/>
+                    </a:lnL>
+                    <a:lnR w="12700" cap="flat" cmpd="sng" algn="ctr">
+                      <a:solidFill>
+                        <a:schemeClr val="tx1"/>
+                      </a:solidFill>
+                      <a:prstDash val="solid"/>
+                      <a:round/>
+                      <a:headEnd type="none" w="med" len="med"/>
+                      <a:tailEnd type="none" w="med" len="med"/>
+                    </a:lnR>
+                    <a:lnT w="12700" cap="flat" cmpd="sng" algn="ctr">
+                      <a:solidFill>
+                        <a:schemeClr val="tx1"/>
+                      </a:solidFill>
+                      <a:prstDash val="solid"/>
+                      <a:round/>
+                      <a:headEnd type="none" w="med" len="med"/>
+                      <a:tailEnd type="none" w="med" len="med"/>
+                    </a:lnT>
+                    <a:lnB w="12700" cap="flat" cmpd="sng" algn="ctr">
+                      <a:solidFill>
+                        <a:schemeClr val="tx1"/>
+                      </a:solidFill>
+                      <a:prstDash val="solid"/>
+                      <a:round/>
+                      <a:headEnd type="none" w="med" len="med"/>
+                      <a:tailEnd type="none" w="med" len="med"/>
+                    </a:lnB>
+                    <a:solidFill>
+                      <a:schemeClr val="accent5">
+                        <a:lumMod val="20000"/>
+                        <a:lumOff val="80000"/>
+                      </a:schemeClr>
+                    </a:solidFill>
+                  </a:tcPr>
+                </a:tc>
+                <a:tc>
+                  <a:txBody>
+                    <a:bodyPr/>
+                    <a:lstStyle/>
+                    <a:p>
+                      <a:r>
+                        <a:rPr lang="ja-JP" altLang="en-US" sz="1800" b="0" dirty="0" smtClean="0">
+                          <a:effectLst/>
+                          <a:latin typeface="+mj-ea"/>
+                          <a:ea typeface="+mj-ea"/>
+                        </a:rPr>
+                        <a:t>動きのある太字のフォントを使用することで、紙面全体の雰囲気を崩すことなく新入社員のフレッシュでいきいきした印象を与えます。</a:t>
+                      </a:r>
+                      <a:endParaRPr lang="en-US" altLang="ja-JP" sz="1800" b="0" dirty="0" smtClean="0">
+                        <a:effectLst/>
+                        <a:latin typeface="+mj-ea"/>
+                        <a:ea typeface="+mj-ea"/>
+                      </a:endParaRPr>
+                    </a:p>
+                  </a:txBody>
+                  <a:tcPr anchor="ctr">
+                    <a:lnL w="12700" cap="flat" cmpd="sng" algn="ctr">
+                      <a:solidFill>
+                        <a:schemeClr val="tx1"/>
+                      </a:solidFill>
+                      <a:prstDash val="solid"/>
+                      <a:round/>
+                      <a:headEnd type="none" w="med" len="med"/>
+                      <a:tailEnd type="none" w="med" len="med"/>
+                    </a:lnL>
+                    <a:lnR w="12700" cap="flat" cmpd="sng" algn="ctr">
+                      <a:solidFill>
+                        <a:schemeClr val="tx1"/>
+                      </a:solidFill>
+                      <a:prstDash val="solid"/>
+                      <a:round/>
+                      <a:headEnd type="none" w="med" len="med"/>
+                      <a:tailEnd type="none" w="med" len="med"/>
+                    </a:lnR>
+                    <a:lnT w="12700" cap="flat" cmpd="sng" algn="ctr">
+                      <a:solidFill>
+                        <a:schemeClr val="tx1"/>
+                      </a:solidFill>
+                      <a:prstDash val="solid"/>
+                      <a:round/>
+                      <a:headEnd type="none" w="med" len="med"/>
+                      <a:tailEnd type="none" w="med" len="med"/>
+                    </a:lnT>
+                    <a:lnB w="12700" cap="flat" cmpd="sng" algn="ctr">
+                      <a:solidFill>
+                        <a:schemeClr val="tx1"/>
+                      </a:solidFill>
+                      <a:prstDash val="solid"/>
+                      <a:round/>
+                      <a:headEnd type="none" w="med" len="med"/>
+                      <a:tailEnd type="none" w="med" len="med"/>
+                    </a:lnB>
+                    <a:solidFill>
+                      <a:schemeClr val="bg1"/>
+                    </a:solidFill>
+                  </a:tcPr>
+                </a:tc>
+              </a:tr>
+            </a:tbl>
+          </a:graphicData>
+        </a:graphic>
+      </p:graphicFrame>
+    </p:spTree>
+    <p:extLst>
+      <p:ext uri="{BB962C8B-B14F-4D97-AF65-F5344CB8AC3E}">
+        <p14:creationId xmlns:p14="http://schemas.microsoft.com/office/powerpoint/2010/main" val="1909769834"/>
       </p:ext>
     </p:extLst>
   </p:cSld>

--- a/クリエイティブ/Editing/伊藤園_新入社員.pptx
+++ b/クリエイティブ/Editing/伊藤園_新入社員.pptx
@@ -3974,14 +3974,14 @@
           <p:nvPr>
             <p:extLst>
               <p:ext uri="{D42A27DB-BD31-4B8C-83A1-F6EECF244321}">
-                <p14:modId xmlns:p14="http://schemas.microsoft.com/office/powerpoint/2010/main" val="1154452864"/>
+                <p14:modId xmlns:p14="http://schemas.microsoft.com/office/powerpoint/2010/main" val="1628651240"/>
               </p:ext>
             </p:extLst>
           </p:nvPr>
         </p:nvGraphicFramePr>
         <p:xfrm>
           <a:off x="338203" y="1283337"/>
-          <a:ext cx="11446006" cy="5486400"/>
+          <a:ext cx="11446006" cy="4846320"/>
         </p:xfrm>
         <a:graphic>
           <a:graphicData uri="http://schemas.openxmlformats.org/drawingml/2006/table">
@@ -4000,7 +4000,7 @@
                     <a:lstStyle/>
                     <a:p>
                       <a:r>
-                        <a:rPr kumimoji="1" lang="ja-JP" altLang="en-US" b="0" dirty="0" smtClean="0">
+                        <a:rPr kumimoji="1" lang="ja-JP" altLang="en-US" sz="1600" b="0" dirty="0" smtClean="0">
                           <a:ln>
                             <a:solidFill>
                               <a:schemeClr val="tx1"/>
@@ -4011,9 +4011,36 @@
                           </a:solidFill>
                           <a:latin typeface="+mn-lt"/>
                         </a:rPr>
-                        <a:t>レイアウト</a:t>
+                        <a:t>レイアウト：</a:t>
                       </a:r>
-                      <a:endParaRPr kumimoji="1" lang="ja-JP" altLang="en-US" b="0" dirty="0">
+                      <a:endParaRPr kumimoji="1" lang="en-US" altLang="ja-JP" sz="1600" b="0" dirty="0" smtClean="0">
+                        <a:ln>
+                          <a:solidFill>
+                            <a:schemeClr val="tx1"/>
+                          </a:solidFill>
+                        </a:ln>
+                        <a:solidFill>
+                          <a:schemeClr val="tx1"/>
+                        </a:solidFill>
+                        <a:latin typeface="+mn-lt"/>
+                      </a:endParaRPr>
+                    </a:p>
+                    <a:p>
+                      <a:r>
+                        <a:rPr kumimoji="1" lang="ja-JP" altLang="en-US" sz="1600" b="0" dirty="0" smtClean="0">
+                          <a:ln>
+                            <a:solidFill>
+                              <a:schemeClr val="tx1"/>
+                            </a:solidFill>
+                          </a:ln>
+                          <a:solidFill>
+                            <a:schemeClr val="tx1"/>
+                          </a:solidFill>
+                          <a:latin typeface="+mn-lt"/>
+                        </a:rPr>
+                        <a:t>全体</a:t>
+                      </a:r>
+                      <a:endParaRPr kumimoji="1" lang="ja-JP" altLang="en-US" sz="1600" b="0" dirty="0">
                         <a:ln>
                           <a:solidFill>
                             <a:schemeClr val="tx1"/>
@@ -4077,7 +4104,7 @@
                     <a:lstStyle/>
                     <a:p>
                       <a:r>
-                        <a:rPr kumimoji="1" lang="ja-JP" altLang="en-US" sz="1800" b="0" kern="1200" dirty="0" smtClean="0">
+                        <a:rPr kumimoji="1" lang="ja-JP" altLang="en-US" sz="1600" b="0" kern="1200" dirty="0" smtClean="0">
                           <a:solidFill>
                             <a:schemeClr val="tx1"/>
                           </a:solidFill>
@@ -4086,9 +4113,21 @@
                           <a:ea typeface="+mn-ea"/>
                           <a:cs typeface="+mn-cs"/>
                         </a:rPr>
-                        <a:t>現状、新入社員以外の記事が目立ちすぎている。</a:t>
+                        <a:t>現状</a:t>
                       </a:r>
-                      <a:endParaRPr kumimoji="1" lang="en-US" altLang="ja-JP" sz="1800" b="0" kern="1200" dirty="0" smtClean="0">
+                      <a:r>
+                        <a:rPr kumimoji="1" lang="ja-JP" altLang="en-US" sz="1600" b="0" kern="1200" dirty="0" smtClean="0">
+                          <a:solidFill>
+                            <a:schemeClr val="tx1"/>
+                          </a:solidFill>
+                          <a:effectLst/>
+                          <a:latin typeface="+mj-ea"/>
+                          <a:ea typeface="+mn-ea"/>
+                          <a:cs typeface="+mn-cs"/>
+                        </a:rPr>
+                        <a:t>、主役である新入社員が目立っていない印象を受ける。</a:t>
+                      </a:r>
+                      <a:endParaRPr kumimoji="1" lang="en-US" altLang="ja-JP" sz="1600" b="0" kern="1200" dirty="0" smtClean="0">
                         <a:solidFill>
                           <a:schemeClr val="tx1"/>
                         </a:solidFill>
@@ -4100,7 +4139,7 @@
                     </a:p>
                     <a:p>
                       <a:r>
-                        <a:rPr kumimoji="1" lang="ja-JP" altLang="en-US" sz="1800" b="0" kern="1200" dirty="0" smtClean="0">
+                        <a:rPr kumimoji="1" lang="ja-JP" altLang="en-US" sz="1600" b="0" kern="1200" dirty="0" smtClean="0">
                           <a:solidFill>
                             <a:schemeClr val="tx1"/>
                           </a:solidFill>
@@ -4111,76 +4150,7 @@
                         </a:rPr>
                         <a:t>また、社長と会長のお話が対談形式に見え、誤解を与えてしまう可能性がある。</a:t>
                       </a:r>
-                      <a:endParaRPr kumimoji="1" lang="en-US" altLang="ja-JP" sz="1800" b="0" kern="1200" dirty="0" smtClean="0">
-                        <a:solidFill>
-                          <a:schemeClr val="tx1"/>
-                        </a:solidFill>
-                        <a:effectLst/>
-                        <a:latin typeface="+mj-ea"/>
-                        <a:ea typeface="+mn-ea"/>
-                        <a:cs typeface="+mn-cs"/>
-                      </a:endParaRPr>
-                    </a:p>
-                    <a:p>
-                      <a:r>
-                        <a:rPr kumimoji="1" lang="ja-JP" altLang="en-US" sz="1800" b="0" kern="1200" dirty="0" smtClean="0">
-                          <a:solidFill>
-                            <a:schemeClr val="tx1"/>
-                          </a:solidFill>
-                          <a:effectLst/>
-                          <a:latin typeface="+mj-ea"/>
-                          <a:ea typeface="+mn-ea"/>
-                          <a:cs typeface="+mn-cs"/>
-                        </a:rPr>
-                        <a:t>左ページでは主役である新入社員の写真を大きくピックアップし、テーマを強調します。</a:t>
-                      </a:r>
-                      <a:endParaRPr kumimoji="1" lang="en-US" altLang="ja-JP" sz="1800" b="0" kern="1200" dirty="0" smtClean="0">
-                        <a:solidFill>
-                          <a:schemeClr val="tx1"/>
-                        </a:solidFill>
-                        <a:effectLst/>
-                        <a:latin typeface="+mj-ea"/>
-                        <a:ea typeface="+mn-ea"/>
-                        <a:cs typeface="+mn-cs"/>
-                      </a:endParaRPr>
-                    </a:p>
-                    <a:p>
-                      <a:r>
-                        <a:rPr kumimoji="1" lang="ja-JP" altLang="en-US" sz="1800" b="0" kern="1200" dirty="0" smtClean="0">
-                          <a:solidFill>
-                            <a:schemeClr val="tx1"/>
-                          </a:solidFill>
-                          <a:effectLst/>
-                          <a:latin typeface="+mj-ea"/>
-                          <a:ea typeface="+mn-ea"/>
-                          <a:cs typeface="+mn-cs"/>
-                        </a:rPr>
-                        <a:t>その下には社長・会長のお話を、それぞれ独立して見えるように配置します。</a:t>
-                      </a:r>
-                      <a:endParaRPr kumimoji="1" lang="en-US" altLang="ja-JP" sz="1800" b="0" kern="1200" dirty="0" smtClean="0">
-                        <a:solidFill>
-                          <a:schemeClr val="tx1"/>
-                        </a:solidFill>
-                        <a:effectLst/>
-                        <a:latin typeface="+mj-ea"/>
-                        <a:ea typeface="+mn-ea"/>
-                        <a:cs typeface="+mn-cs"/>
-                      </a:endParaRPr>
-                    </a:p>
-                    <a:p>
-                      <a:r>
-                        <a:rPr kumimoji="1" lang="ja-JP" altLang="en-US" sz="1800" b="0" kern="1200" dirty="0" smtClean="0">
-                          <a:solidFill>
-                            <a:schemeClr val="tx1"/>
-                          </a:solidFill>
-                          <a:effectLst/>
-                          <a:latin typeface="+mj-ea"/>
-                          <a:ea typeface="+mn-ea"/>
-                          <a:cs typeface="+mn-cs"/>
-                        </a:rPr>
-                        <a:t>＊社長と会長の写真を丸くトリミングし、写真の多い紙面にやわらかい印象を与えます。</a:t>
-                      </a:r>
-                      <a:endParaRPr kumimoji="1" lang="en-US" altLang="ja-JP" sz="1800" b="0" kern="1200" dirty="0" smtClean="0">
+                      <a:endParaRPr kumimoji="1" lang="en-US" altLang="ja-JP" sz="1600" b="0" kern="1200" dirty="0" smtClean="0">
                         <a:solidFill>
                           <a:schemeClr val="tx1"/>
                         </a:solidFill>
@@ -4209,7 +4179,405 @@
                         <a:defRPr/>
                       </a:pPr>
                       <a:r>
-                        <a:rPr kumimoji="1" lang="ja-JP" altLang="en-US" sz="1800" b="0" kern="1200" dirty="0" smtClean="0">
+                        <a:rPr kumimoji="1" lang="ja-JP" altLang="en-US" sz="1600" b="0" kern="1200" dirty="0" smtClean="0">
+                          <a:solidFill>
+                            <a:schemeClr val="tx1"/>
+                          </a:solidFill>
+                          <a:effectLst/>
+                          <a:latin typeface="+mj-ea"/>
+                          <a:ea typeface="+mn-ea"/>
+                          <a:cs typeface="+mn-cs"/>
+                        </a:rPr>
+                        <a:t>ページのコンセプトとして、テーマである新入社員を目立たせます。</a:t>
+                      </a:r>
+                      <a:endParaRPr kumimoji="1" lang="en-US" altLang="ja-JP" sz="1600" b="0" kern="1200" dirty="0" smtClean="0">
+                        <a:solidFill>
+                          <a:schemeClr val="tx1"/>
+                        </a:solidFill>
+                        <a:effectLst/>
+                        <a:latin typeface="+mj-ea"/>
+                        <a:ea typeface="+mn-ea"/>
+                        <a:cs typeface="+mn-cs"/>
+                      </a:endParaRPr>
+                    </a:p>
+                  </a:txBody>
+                  <a:tcPr anchor="ctr">
+                    <a:lnL w="12700" cap="flat" cmpd="sng" algn="ctr">
+                      <a:solidFill>
+                        <a:schemeClr val="tx1"/>
+                      </a:solidFill>
+                      <a:prstDash val="solid"/>
+                      <a:round/>
+                      <a:headEnd type="none" w="med" len="med"/>
+                      <a:tailEnd type="none" w="med" len="med"/>
+                    </a:lnL>
+                    <a:lnR w="12700" cap="flat" cmpd="sng" algn="ctr">
+                      <a:solidFill>
+                        <a:schemeClr val="tx1"/>
+                      </a:solidFill>
+                      <a:prstDash val="solid"/>
+                      <a:round/>
+                      <a:headEnd type="none" w="med" len="med"/>
+                      <a:tailEnd type="none" w="med" len="med"/>
+                    </a:lnR>
+                    <a:lnT w="12700" cap="flat" cmpd="sng" algn="ctr">
+                      <a:solidFill>
+                        <a:schemeClr val="tx1"/>
+                      </a:solidFill>
+                      <a:prstDash val="solid"/>
+                      <a:round/>
+                      <a:headEnd type="none" w="med" len="med"/>
+                      <a:tailEnd type="none" w="med" len="med"/>
+                    </a:lnT>
+                    <a:lnB w="12700" cap="flat" cmpd="sng" algn="ctr">
+                      <a:solidFill>
+                        <a:schemeClr val="tx1"/>
+                      </a:solidFill>
+                      <a:prstDash val="solid"/>
+                      <a:round/>
+                      <a:headEnd type="none" w="med" len="med"/>
+                      <a:tailEnd type="none" w="med" len="med"/>
+                    </a:lnB>
+                    <a:solidFill>
+                      <a:schemeClr val="bg1"/>
+                    </a:solidFill>
+                  </a:tcPr>
+                </a:tc>
+              </a:tr>
+              <a:tr h="370840">
+                <a:tc>
+                  <a:txBody>
+                    <a:bodyPr/>
+                    <a:lstStyle/>
+                    <a:p>
+                      <a:r>
+                        <a:rPr kumimoji="1" lang="ja-JP" altLang="en-US" sz="1600" b="0" dirty="0" smtClean="0">
+                          <a:ln>
+                            <a:solidFill>
+                              <a:schemeClr val="tx1"/>
+                            </a:solidFill>
+                          </a:ln>
+                          <a:solidFill>
+                            <a:schemeClr val="tx1"/>
+                          </a:solidFill>
+                          <a:latin typeface="+mn-lt"/>
+                        </a:rPr>
+                        <a:t>レイアウト：</a:t>
+                      </a:r>
+                      <a:endParaRPr kumimoji="1" lang="en-US" altLang="ja-JP" sz="1600" b="0" dirty="0" smtClean="0">
+                        <a:ln>
+                          <a:solidFill>
+                            <a:schemeClr val="tx1"/>
+                          </a:solidFill>
+                        </a:ln>
+                        <a:solidFill>
+                          <a:schemeClr val="tx1"/>
+                        </a:solidFill>
+                        <a:latin typeface="+mn-lt"/>
+                      </a:endParaRPr>
+                    </a:p>
+                    <a:p>
+                      <a:r>
+                        <a:rPr kumimoji="1" lang="ja-JP" altLang="en-US" sz="1600" b="0" dirty="0" smtClean="0">
+                          <a:ln>
+                            <a:solidFill>
+                              <a:schemeClr val="tx1"/>
+                            </a:solidFill>
+                          </a:ln>
+                          <a:solidFill>
+                            <a:schemeClr val="tx1"/>
+                          </a:solidFill>
+                          <a:latin typeface="+mn-lt"/>
+                        </a:rPr>
+                        <a:t>左ページ</a:t>
+                      </a:r>
+                      <a:endParaRPr kumimoji="1" lang="ja-JP" altLang="en-US" sz="1600" b="0" dirty="0">
+                        <a:ln>
+                          <a:solidFill>
+                            <a:schemeClr val="tx1"/>
+                          </a:solidFill>
+                        </a:ln>
+                        <a:solidFill>
+                          <a:schemeClr val="tx1"/>
+                        </a:solidFill>
+                        <a:latin typeface="+mn-lt"/>
+                      </a:endParaRPr>
+                    </a:p>
+                  </a:txBody>
+                  <a:tcPr>
+                    <a:lnL w="12700" cap="flat" cmpd="sng" algn="ctr">
+                      <a:solidFill>
+                        <a:schemeClr val="tx1"/>
+                      </a:solidFill>
+                      <a:prstDash val="solid"/>
+                      <a:round/>
+                      <a:headEnd type="none" w="med" len="med"/>
+                      <a:tailEnd type="none" w="med" len="med"/>
+                    </a:lnL>
+                    <a:lnR w="12700" cap="flat" cmpd="sng" algn="ctr">
+                      <a:solidFill>
+                        <a:schemeClr val="tx1"/>
+                      </a:solidFill>
+                      <a:prstDash val="solid"/>
+                      <a:round/>
+                      <a:headEnd type="none" w="med" len="med"/>
+                      <a:tailEnd type="none" w="med" len="med"/>
+                    </a:lnR>
+                    <a:lnT w="12700" cap="flat" cmpd="sng" algn="ctr">
+                      <a:solidFill>
+                        <a:schemeClr val="tx1"/>
+                      </a:solidFill>
+                      <a:prstDash val="solid"/>
+                      <a:round/>
+                      <a:headEnd type="none" w="med" len="med"/>
+                      <a:tailEnd type="none" w="med" len="med"/>
+                    </a:lnT>
+                    <a:lnB w="12700" cap="flat" cmpd="sng" algn="ctr">
+                      <a:solidFill>
+                        <a:schemeClr val="tx1"/>
+                      </a:solidFill>
+                      <a:prstDash val="solid"/>
+                      <a:round/>
+                      <a:headEnd type="none" w="med" len="med"/>
+                      <a:tailEnd type="none" w="med" len="med"/>
+                    </a:lnB>
+                    <a:solidFill>
+                      <a:schemeClr val="accent5">
+                        <a:lumMod val="20000"/>
+                        <a:lumOff val="80000"/>
+                      </a:schemeClr>
+                    </a:solidFill>
+                  </a:tcPr>
+                </a:tc>
+                <a:tc>
+                  <a:txBody>
+                    <a:bodyPr/>
+                    <a:lstStyle/>
+                    <a:p>
+                      <a:r>
+                        <a:rPr kumimoji="1" lang="ja-JP" altLang="en-US" sz="1600" b="0" kern="1200" dirty="0" smtClean="0">
+                          <a:solidFill>
+                            <a:schemeClr val="tx1"/>
+                          </a:solidFill>
+                          <a:effectLst/>
+                          <a:latin typeface="+mj-ea"/>
+                          <a:ea typeface="+mn-ea"/>
+                          <a:cs typeface="+mn-cs"/>
+                        </a:rPr>
+                        <a:t>左ページでは主役である新入社員の写真を大きくピックアップし、テーマを強調します。</a:t>
+                      </a:r>
+                      <a:endParaRPr kumimoji="1" lang="en-US" altLang="ja-JP" sz="1600" b="0" kern="1200" dirty="0" smtClean="0">
+                        <a:solidFill>
+                          <a:schemeClr val="tx1"/>
+                        </a:solidFill>
+                        <a:effectLst/>
+                        <a:latin typeface="+mj-ea"/>
+                        <a:ea typeface="+mn-ea"/>
+                        <a:cs typeface="+mn-cs"/>
+                      </a:endParaRPr>
+                    </a:p>
+                    <a:p>
+                      <a:r>
+                        <a:rPr kumimoji="1" lang="ja-JP" altLang="en-US" sz="1600" b="0" kern="1200" dirty="0" smtClean="0">
+                          <a:solidFill>
+                            <a:schemeClr val="tx1"/>
+                          </a:solidFill>
+                          <a:effectLst/>
+                          <a:latin typeface="+mj-ea"/>
+                          <a:ea typeface="+mn-ea"/>
+                          <a:cs typeface="+mn-cs"/>
+                        </a:rPr>
+                        <a:t>その下には現在は対談形式のように見える社長と会長のお話を、それぞれ独立させて配置します。</a:t>
+                      </a:r>
+                      <a:endParaRPr kumimoji="1" lang="en-US" altLang="ja-JP" sz="1600" b="0" kern="1200" dirty="0" smtClean="0">
+                        <a:solidFill>
+                          <a:schemeClr val="tx1"/>
+                        </a:solidFill>
+                        <a:effectLst/>
+                        <a:latin typeface="+mj-ea"/>
+                        <a:ea typeface="+mn-ea"/>
+                        <a:cs typeface="+mn-cs"/>
+                      </a:endParaRPr>
+                    </a:p>
+                    <a:p>
+                      <a:r>
+                        <a:rPr kumimoji="1" lang="ja-JP" altLang="en-US" sz="1600" b="0" kern="1200" dirty="0" smtClean="0">
+                          <a:solidFill>
+                            <a:schemeClr val="tx1"/>
+                          </a:solidFill>
+                          <a:effectLst/>
+                          <a:latin typeface="+mj-ea"/>
+                          <a:ea typeface="+mn-ea"/>
+                          <a:cs typeface="+mn-cs"/>
+                        </a:rPr>
+                        <a:t>＊社長と会長の写真は丸くトリミングすることで、写真の多い紙面にやわらかい印象を与えます。</a:t>
+                      </a:r>
+                      <a:endParaRPr kumimoji="1" lang="en-US" altLang="ja-JP" sz="1600" b="0" kern="1200" dirty="0" smtClean="0">
+                        <a:solidFill>
+                          <a:schemeClr val="tx1"/>
+                        </a:solidFill>
+                        <a:effectLst/>
+                        <a:latin typeface="+mj-ea"/>
+                        <a:ea typeface="+mn-ea"/>
+                        <a:cs typeface="+mn-cs"/>
+                      </a:endParaRPr>
+                    </a:p>
+                  </a:txBody>
+                  <a:tcPr anchor="ctr">
+                    <a:lnL w="12700" cap="flat" cmpd="sng" algn="ctr">
+                      <a:solidFill>
+                        <a:schemeClr val="tx1"/>
+                      </a:solidFill>
+                      <a:prstDash val="solid"/>
+                      <a:round/>
+                      <a:headEnd type="none" w="med" len="med"/>
+                      <a:tailEnd type="none" w="med" len="med"/>
+                    </a:lnL>
+                    <a:lnR w="12700" cap="flat" cmpd="sng" algn="ctr">
+                      <a:solidFill>
+                        <a:schemeClr val="tx1"/>
+                      </a:solidFill>
+                      <a:prstDash val="solid"/>
+                      <a:round/>
+                      <a:headEnd type="none" w="med" len="med"/>
+                      <a:tailEnd type="none" w="med" len="med"/>
+                    </a:lnR>
+                    <a:lnT w="12700" cap="flat" cmpd="sng" algn="ctr">
+                      <a:solidFill>
+                        <a:schemeClr val="tx1"/>
+                      </a:solidFill>
+                      <a:prstDash val="solid"/>
+                      <a:round/>
+                      <a:headEnd type="none" w="med" len="med"/>
+                      <a:tailEnd type="none" w="med" len="med"/>
+                    </a:lnT>
+                    <a:lnB w="12700" cap="flat" cmpd="sng" algn="ctr">
+                      <a:solidFill>
+                        <a:schemeClr val="tx1"/>
+                      </a:solidFill>
+                      <a:prstDash val="solid"/>
+                      <a:round/>
+                      <a:headEnd type="none" w="med" len="med"/>
+                      <a:tailEnd type="none" w="med" len="med"/>
+                    </a:lnB>
+                    <a:solidFill>
+                      <a:schemeClr val="bg1"/>
+                    </a:solidFill>
+                  </a:tcPr>
+                </a:tc>
+              </a:tr>
+              <a:tr h="370840">
+                <a:tc>
+                  <a:txBody>
+                    <a:bodyPr/>
+                    <a:lstStyle/>
+                    <a:p>
+                      <a:r>
+                        <a:rPr kumimoji="1" lang="ja-JP" altLang="en-US" sz="1600" b="0" dirty="0" smtClean="0">
+                          <a:ln>
+                            <a:solidFill>
+                              <a:schemeClr val="tx1"/>
+                            </a:solidFill>
+                          </a:ln>
+                          <a:solidFill>
+                            <a:schemeClr val="tx1"/>
+                          </a:solidFill>
+                          <a:latin typeface="+mn-lt"/>
+                        </a:rPr>
+                        <a:t>レイアウト：</a:t>
+                      </a:r>
+                      <a:endParaRPr kumimoji="1" lang="en-US" altLang="ja-JP" sz="1600" b="0" dirty="0" smtClean="0">
+                        <a:ln>
+                          <a:solidFill>
+                            <a:schemeClr val="tx1"/>
+                          </a:solidFill>
+                        </a:ln>
+                        <a:solidFill>
+                          <a:schemeClr val="tx1"/>
+                        </a:solidFill>
+                        <a:latin typeface="+mn-lt"/>
+                      </a:endParaRPr>
+                    </a:p>
+                    <a:p>
+                      <a:r>
+                        <a:rPr kumimoji="1" lang="ja-JP" altLang="en-US" sz="1600" b="0" dirty="0" smtClean="0">
+                          <a:ln>
+                            <a:solidFill>
+                              <a:schemeClr val="tx1"/>
+                            </a:solidFill>
+                          </a:ln>
+                          <a:solidFill>
+                            <a:schemeClr val="tx1"/>
+                          </a:solidFill>
+                          <a:latin typeface="+mn-lt"/>
+                        </a:rPr>
+                        <a:t>右ページ</a:t>
+                      </a:r>
+                      <a:endParaRPr kumimoji="1" lang="ja-JP" altLang="en-US" sz="1600" b="0" dirty="0">
+                        <a:ln>
+                          <a:solidFill>
+                            <a:schemeClr val="tx1"/>
+                          </a:solidFill>
+                        </a:ln>
+                        <a:solidFill>
+                          <a:schemeClr val="tx1"/>
+                        </a:solidFill>
+                        <a:latin typeface="+mn-lt"/>
+                      </a:endParaRPr>
+                    </a:p>
+                  </a:txBody>
+                  <a:tcPr>
+                    <a:lnL w="12700" cap="flat" cmpd="sng" algn="ctr">
+                      <a:solidFill>
+                        <a:schemeClr val="tx1"/>
+                      </a:solidFill>
+                      <a:prstDash val="solid"/>
+                      <a:round/>
+                      <a:headEnd type="none" w="med" len="med"/>
+                      <a:tailEnd type="none" w="med" len="med"/>
+                    </a:lnL>
+                    <a:lnR w="12700" cap="flat" cmpd="sng" algn="ctr">
+                      <a:solidFill>
+                        <a:schemeClr val="tx1"/>
+                      </a:solidFill>
+                      <a:prstDash val="solid"/>
+                      <a:round/>
+                      <a:headEnd type="none" w="med" len="med"/>
+                      <a:tailEnd type="none" w="med" len="med"/>
+                    </a:lnR>
+                    <a:lnT w="12700" cap="flat" cmpd="sng" algn="ctr">
+                      <a:solidFill>
+                        <a:schemeClr val="tx1"/>
+                      </a:solidFill>
+                      <a:prstDash val="solid"/>
+                      <a:round/>
+                      <a:headEnd type="none" w="med" len="med"/>
+                      <a:tailEnd type="none" w="med" len="med"/>
+                    </a:lnT>
+                    <a:lnB w="12700" cap="flat" cmpd="sng" algn="ctr">
+                      <a:solidFill>
+                        <a:schemeClr val="tx1"/>
+                      </a:solidFill>
+                      <a:prstDash val="solid"/>
+                      <a:round/>
+                      <a:headEnd type="none" w="med" len="med"/>
+                      <a:tailEnd type="none" w="med" len="med"/>
+                    </a:lnB>
+                    <a:solidFill>
+                      <a:schemeClr val="accent5">
+                        <a:lumMod val="20000"/>
+                        <a:lumOff val="80000"/>
+                      </a:schemeClr>
+                    </a:solidFill>
+                  </a:tcPr>
+                </a:tc>
+                <a:tc>
+                  <a:txBody>
+                    <a:bodyPr/>
+                    <a:lstStyle/>
+                    <a:p>
+                      <a:r>
+                        <a:rPr kumimoji="1" lang="ja-JP" altLang="en-US" sz="1600" b="0" kern="1200" dirty="0" smtClean="0">
                           <a:solidFill>
                             <a:schemeClr val="tx1"/>
                           </a:solidFill>
@@ -4221,7 +4589,7 @@
                         <a:t>右ページでは、新入社員の特徴を表す「</a:t>
                       </a:r>
                       <a:r>
-                        <a:rPr kumimoji="1" lang="en-US" altLang="ja-JP" sz="1800" b="0" kern="1200" dirty="0" smtClean="0">
+                        <a:rPr kumimoji="1" lang="en-US" altLang="ja-JP" sz="1600" b="0" kern="1200" dirty="0" smtClean="0">
                           <a:solidFill>
                             <a:schemeClr val="tx1"/>
                           </a:solidFill>
@@ -4233,7 +4601,7 @@
                         <a:t>2017</a:t>
                       </a:r>
                       <a:r>
-                        <a:rPr kumimoji="1" lang="ja-JP" altLang="en-US" sz="1800" b="0" kern="1200" dirty="0" smtClean="0">
+                        <a:rPr kumimoji="1" lang="ja-JP" altLang="en-US" sz="1600" b="0" kern="1200" dirty="0" smtClean="0">
                           <a:solidFill>
                             <a:schemeClr val="tx1"/>
                           </a:solidFill>
@@ -4244,7 +4612,7 @@
                         </a:rPr>
                         <a:t>年度新入社員のタイプ」を大きくピックアップします。</a:t>
                       </a:r>
-                      <a:endParaRPr kumimoji="1" lang="en-US" altLang="ja-JP" sz="1800" b="0" kern="1200" dirty="0" smtClean="0">
+                      <a:endParaRPr kumimoji="1" lang="en-US" altLang="ja-JP" sz="1600" b="0" kern="1200" dirty="0" smtClean="0">
                         <a:solidFill>
                           <a:schemeClr val="tx1"/>
                         </a:solidFill>
@@ -4273,7 +4641,7 @@
                         <a:defRPr/>
                       </a:pPr>
                       <a:r>
-                        <a:rPr kumimoji="1" lang="ja-JP" altLang="en-US" sz="1800" b="0" kern="1200" dirty="0" smtClean="0">
+                        <a:rPr kumimoji="1" lang="ja-JP" altLang="en-US" sz="1600" b="0" kern="1200" dirty="0" smtClean="0">
                           <a:solidFill>
                             <a:schemeClr val="tx1"/>
                           </a:solidFill>
@@ -4282,9 +4650,9 @@
                           <a:ea typeface="+mn-ea"/>
                           <a:cs typeface="+mn-cs"/>
                         </a:rPr>
-                        <a:t>新入社員タイプとコメントを写真で囲み、コメントを吹き出しにすることで、情報を整理し、入社直後の賑やかな雰囲気を演出します。</a:t>
+                        <a:t>また、新入社員タイプとその下にある新入社員へのコメントは、現在は別々ですが、つながりを強調するために、違和感のない程度に一つにまとめます。</a:t>
                       </a:r>
-                      <a:endParaRPr kumimoji="1" lang="en-US" altLang="ja-JP" sz="1800" b="0" kern="1200" dirty="0" smtClean="0">
+                      <a:endParaRPr kumimoji="1" lang="en-US" altLang="ja-JP" sz="1600" b="0" kern="1200" dirty="0" smtClean="0">
                         <a:solidFill>
                           <a:schemeClr val="tx1"/>
                         </a:solidFill>
@@ -4313,7 +4681,7 @@
                         <a:defRPr/>
                       </a:pPr>
                       <a:r>
-                        <a:rPr kumimoji="1" lang="ja-JP" altLang="en-US" sz="1800" b="0" kern="1200" dirty="0" smtClean="0">
+                        <a:rPr kumimoji="1" lang="ja-JP" altLang="en-US" sz="1600" b="0" kern="1200" dirty="0" smtClean="0">
                           <a:solidFill>
                             <a:schemeClr val="tx1"/>
                           </a:solidFill>
@@ -4322,9 +4690,49 @@
                           <a:ea typeface="+mn-ea"/>
                           <a:cs typeface="+mn-cs"/>
                         </a:rPr>
-                        <a:t>また、新入社員タイプとその下にある新入社員へのコメントは現在は別々ですが、つながりを強調するために、同じようなテイストで写真で囲まれた中央に配置します。</a:t>
+                        <a:t>上記のように一つにまとめた情報は、新入社員の写真で囲み、コメントを吹き出しにします。</a:t>
                       </a:r>
-                      <a:endParaRPr kumimoji="1" lang="en-US" altLang="ja-JP" sz="1800" b="0" kern="1200" dirty="0" smtClean="0">
+                      <a:endParaRPr kumimoji="1" lang="en-US" altLang="ja-JP" sz="1600" b="0" kern="1200" dirty="0" smtClean="0">
+                        <a:solidFill>
+                          <a:schemeClr val="tx1"/>
+                        </a:solidFill>
+                        <a:effectLst/>
+                        <a:latin typeface="+mj-ea"/>
+                        <a:ea typeface="+mn-ea"/>
+                        <a:cs typeface="+mn-cs"/>
+                      </a:endParaRPr>
+                    </a:p>
+                    <a:p>
+                      <a:pPr marL="0" marR="0" indent="0" algn="l" defTabSz="914400" rtl="0" eaLnBrk="1" fontAlgn="auto" latinLnBrk="0" hangingPunct="1">
+                        <a:lnSpc>
+                          <a:spcPct val="100000"/>
+                        </a:lnSpc>
+                        <a:spcBef>
+                          <a:spcPts val="0"/>
+                        </a:spcBef>
+                        <a:spcAft>
+                          <a:spcPts val="0"/>
+                        </a:spcAft>
+                        <a:buClrTx/>
+                        <a:buSzTx/>
+                        <a:buFontTx/>
+                        <a:buNone/>
+                        <a:tabLst/>
+                        <a:defRPr/>
+                      </a:pPr>
+                      <a:r>
+                        <a:rPr kumimoji="1" lang="ja-JP" altLang="en-US" sz="1600" b="0" kern="1200" dirty="0" smtClean="0">
+                          <a:solidFill>
+                            <a:schemeClr val="tx1"/>
+                          </a:solidFill>
+                          <a:effectLst/>
+                          <a:latin typeface="+mj-ea"/>
+                          <a:ea typeface="+mn-ea"/>
+                          <a:cs typeface="+mn-cs"/>
+                        </a:rPr>
+                        <a:t>こうすることで、散らばった情報を整理し、全体として入社直後の賑やかな雰囲気を演出します。</a:t>
+                      </a:r>
+                      <a:endParaRPr kumimoji="1" lang="en-US" altLang="ja-JP" sz="1600" b="0" kern="1200" dirty="0" smtClean="0">
                         <a:solidFill>
                           <a:schemeClr val="tx1"/>
                         </a:solidFill>
@@ -4336,7 +4744,7 @@
                     </a:p>
                     <a:p>
                       <a:r>
-                        <a:rPr kumimoji="1" lang="ja-JP" altLang="en-US" sz="1800" b="0" kern="1200" dirty="0" smtClean="0">
+                        <a:rPr kumimoji="1" lang="ja-JP" altLang="en-US" sz="1600" b="0" kern="1200" dirty="0" smtClean="0">
                           <a:solidFill>
                             <a:schemeClr val="tx1"/>
                           </a:solidFill>
@@ -4347,7 +4755,7 @@
                         </a:rPr>
                         <a:t>＊新入社員の誕生年に関する記事は目立ちすぎないように、箇条書きで整理します。</a:t>
                       </a:r>
-                      <a:endParaRPr kumimoji="1" lang="en-US" altLang="ja-JP" sz="1800" b="0" kern="1200" dirty="0" smtClean="0">
+                      <a:endParaRPr kumimoji="1" lang="en-US" altLang="ja-JP" sz="1600" b="0" kern="1200" dirty="0" smtClean="0">
                         <a:solidFill>
                           <a:schemeClr val="tx1"/>
                         </a:solidFill>
@@ -4408,7 +4816,7 @@
                     <a:lstStyle/>
                     <a:p>
                       <a:r>
-                        <a:rPr kumimoji="1" lang="ja-JP" altLang="en-US" b="0" dirty="0" smtClean="0">
+                        <a:rPr kumimoji="1" lang="ja-JP" altLang="en-US" sz="1600" b="0" dirty="0" smtClean="0">
                           <a:ln>
                             <a:solidFill>
                               <a:schemeClr val="tx1"/>
@@ -4421,7 +4829,7 @@
                         </a:rPr>
                         <a:t>トーン</a:t>
                       </a:r>
-                      <a:endParaRPr kumimoji="1" lang="ja-JP" altLang="en-US" b="0" dirty="0">
+                      <a:endParaRPr kumimoji="1" lang="ja-JP" altLang="en-US" sz="1600" b="0" dirty="0">
                         <a:ln>
                           <a:solidFill>
                             <a:schemeClr val="tx1"/>
@@ -4502,14 +4910,14 @@
                         <a:defRPr/>
                       </a:pPr>
                       <a:r>
-                        <a:rPr lang="ja-JP" altLang="en-US" sz="1800" b="0" dirty="0" smtClean="0">
+                        <a:rPr lang="ja-JP" altLang="en-US" sz="1600" b="0" dirty="0" smtClean="0">
                           <a:effectLst/>
                           <a:latin typeface="+mj-ea"/>
                           <a:ea typeface="+mj-ea"/>
                         </a:rPr>
                         <a:t>現状、グリーンで新入社員のフレッシュさが伝わって来ますが、背景に落ち着いたトーンを使用することで、多く使われる写真をより目立たせ、スタイリッシュにページをまとめることができます。</a:t>
                       </a:r>
-                      <a:endParaRPr lang="en-US" altLang="ja-JP" sz="1800" b="0" dirty="0" smtClean="0">
+                      <a:endParaRPr lang="en-US" altLang="ja-JP" sz="1600" b="0" dirty="0" smtClean="0">
                         <a:effectLst/>
                         <a:latin typeface="+mj-ea"/>
                         <a:ea typeface="+mj-ea"/>
@@ -4534,7 +4942,7 @@
                         <a:defRPr/>
                       </a:pPr>
                       <a:r>
-                        <a:rPr lang="ja-JP" altLang="en-US" sz="1800" b="0" dirty="0" smtClean="0">
+                        <a:rPr lang="ja-JP" altLang="en-US" sz="1600" b="0" dirty="0" smtClean="0">
                           <a:effectLst/>
                           <a:latin typeface="+mj-ea"/>
                           <a:ea typeface="+mj-ea"/>
@@ -4542,7 +4950,7 @@
                         <a:t>さらに、</a:t>
                       </a:r>
                       <a:r>
-                        <a:rPr kumimoji="1" lang="ja-JP" altLang="en-US" sz="1800" b="0" kern="1200" dirty="0" smtClean="0">
+                        <a:rPr kumimoji="1" lang="ja-JP" altLang="en-US" sz="1600" b="0" kern="1200" dirty="0" smtClean="0">
                           <a:solidFill>
                             <a:schemeClr val="dk1"/>
                           </a:solidFill>
@@ -4554,14 +4962,14 @@
                         <a:t>グリーンの同系色をポイントとして使用することで、</a:t>
                       </a:r>
                       <a:r>
-                        <a:rPr lang="ja-JP" altLang="en-US" sz="1800" b="0" dirty="0" smtClean="0">
+                        <a:rPr lang="ja-JP" altLang="en-US" sz="1600" b="0" dirty="0" smtClean="0">
                           <a:effectLst/>
                           <a:latin typeface="+mj-ea"/>
                           <a:ea typeface="+mj-ea"/>
                         </a:rPr>
                         <a:t>紙面全体にフレッシュさを演出します。</a:t>
                       </a:r>
-                      <a:endParaRPr lang="en-US" altLang="ja-JP" sz="1800" b="0" dirty="0" smtClean="0">
+                      <a:endParaRPr lang="en-US" altLang="ja-JP" sz="1600" b="0" dirty="0" smtClean="0">
                         <a:effectLst/>
                         <a:latin typeface="+mj-ea"/>
                         <a:ea typeface="+mj-ea"/>
@@ -4618,7 +5026,7 @@
                     <a:lstStyle/>
                     <a:p>
                       <a:r>
-                        <a:rPr kumimoji="1" lang="ja-JP" altLang="en-US" b="0" dirty="0" smtClean="0">
+                        <a:rPr kumimoji="1" lang="ja-JP" altLang="en-US" sz="1600" b="0" dirty="0" smtClean="0">
                           <a:ln>
                             <a:solidFill>
                               <a:schemeClr val="tx1"/>
@@ -4631,7 +5039,7 @@
                         </a:rPr>
                         <a:t>タイトル</a:t>
                       </a:r>
-                      <a:endParaRPr kumimoji="1" lang="ja-JP" altLang="en-US" b="0" dirty="0">
+                      <a:endParaRPr kumimoji="1" lang="ja-JP" altLang="en-US" sz="1600" b="0" dirty="0">
                         <a:ln>
                           <a:solidFill>
                             <a:schemeClr val="tx1"/>
@@ -4695,14 +5103,14 @@
                     <a:lstStyle/>
                     <a:p>
                       <a:r>
-                        <a:rPr lang="ja-JP" altLang="en-US" sz="1800" b="0" dirty="0" smtClean="0">
+                        <a:rPr lang="ja-JP" altLang="en-US" sz="1600" b="0" dirty="0" smtClean="0">
                           <a:effectLst/>
                           <a:latin typeface="+mj-ea"/>
                           <a:ea typeface="+mj-ea"/>
                         </a:rPr>
                         <a:t>動きのある太字のフォントを使用することで、紙面全体の雰囲気を崩すことなく新入社員のフレッシュでいきいきした印象を与えます。</a:t>
                       </a:r>
-                      <a:endParaRPr lang="en-US" altLang="ja-JP" sz="1800" b="0" dirty="0" smtClean="0">
+                      <a:endParaRPr lang="en-US" altLang="ja-JP" sz="1600" b="0" dirty="0" smtClean="0">
                         <a:effectLst/>
                         <a:latin typeface="+mj-ea"/>
                         <a:ea typeface="+mj-ea"/>
